--- a/國展用小卡/國展用小卡.pptx
+++ b/國展用小卡/國展用小卡.pptx
@@ -2,21 +2,20 @@
 <file path=ppt/presentation.xml><?xml version="1.0" encoding="utf-8"?>
 <p:presentation xmlns:a="http://schemas.openxmlformats.org/drawingml/2006/main" xmlns:r="http://schemas.openxmlformats.org/officeDocument/2006/relationships" xmlns:p="http://schemas.openxmlformats.org/presentationml/2006/main" saveSubsetFonts="1">
   <p:sldMasterIdLst>
-    <p:sldMasterId id="2147483648" r:id="rId1"/>
+    <p:sldMasterId id="2147483660" r:id="rId1"/>
   </p:sldMasterIdLst>
   <p:sldIdLst>
     <p:sldId id="256" r:id="rId2"/>
-    <p:sldId id="257" r:id="rId3"/>
-    <p:sldId id="259" r:id="rId4"/>
-    <p:sldId id="258" r:id="rId5"/>
+    <p:sldId id="259" r:id="rId3"/>
+    <p:sldId id="258" r:id="rId4"/>
   </p:sldIdLst>
-  <p:sldSz cx="12192000" cy="6858000"/>
+  <p:sldSz cx="9144000" cy="6858000" type="screen4x3"/>
   <p:notesSz cx="6858000" cy="9144000"/>
   <p:defaultTextStyle>
     <a:defPPr>
-      <a:defRPr lang="zh-TW"/>
+      <a:defRPr lang="en-US"/>
     </a:defPPr>
-    <a:lvl1pPr marL="0" algn="l" defTabSz="914400" rtl="0" eaLnBrk="1" latinLnBrk="0" hangingPunct="1">
+    <a:lvl1pPr marL="0" algn="l" defTabSz="457200" rtl="0" eaLnBrk="1" latinLnBrk="0" hangingPunct="1">
       <a:defRPr sz="1800" kern="1200">
         <a:solidFill>
           <a:schemeClr val="tx1"/>
@@ -26,7 +25,7 @@
         <a:cs typeface="+mn-cs"/>
       </a:defRPr>
     </a:lvl1pPr>
-    <a:lvl2pPr marL="457200" algn="l" defTabSz="914400" rtl="0" eaLnBrk="1" latinLnBrk="0" hangingPunct="1">
+    <a:lvl2pPr marL="457200" algn="l" defTabSz="457200" rtl="0" eaLnBrk="1" latinLnBrk="0" hangingPunct="1">
       <a:defRPr sz="1800" kern="1200">
         <a:solidFill>
           <a:schemeClr val="tx1"/>
@@ -36,7 +35,7 @@
         <a:cs typeface="+mn-cs"/>
       </a:defRPr>
     </a:lvl2pPr>
-    <a:lvl3pPr marL="914400" algn="l" defTabSz="914400" rtl="0" eaLnBrk="1" latinLnBrk="0" hangingPunct="1">
+    <a:lvl3pPr marL="914400" algn="l" defTabSz="457200" rtl="0" eaLnBrk="1" latinLnBrk="0" hangingPunct="1">
       <a:defRPr sz="1800" kern="1200">
         <a:solidFill>
           <a:schemeClr val="tx1"/>
@@ -46,7 +45,7 @@
         <a:cs typeface="+mn-cs"/>
       </a:defRPr>
     </a:lvl3pPr>
-    <a:lvl4pPr marL="1371600" algn="l" defTabSz="914400" rtl="0" eaLnBrk="1" latinLnBrk="0" hangingPunct="1">
+    <a:lvl4pPr marL="1371600" algn="l" defTabSz="457200" rtl="0" eaLnBrk="1" latinLnBrk="0" hangingPunct="1">
       <a:defRPr sz="1800" kern="1200">
         <a:solidFill>
           <a:schemeClr val="tx1"/>
@@ -56,7 +55,7 @@
         <a:cs typeface="+mn-cs"/>
       </a:defRPr>
     </a:lvl4pPr>
-    <a:lvl5pPr marL="1828800" algn="l" defTabSz="914400" rtl="0" eaLnBrk="1" latinLnBrk="0" hangingPunct="1">
+    <a:lvl5pPr marL="1828800" algn="l" defTabSz="457200" rtl="0" eaLnBrk="1" latinLnBrk="0" hangingPunct="1">
       <a:defRPr sz="1800" kern="1200">
         <a:solidFill>
           <a:schemeClr val="tx1"/>
@@ -66,7 +65,7 @@
         <a:cs typeface="+mn-cs"/>
       </a:defRPr>
     </a:lvl5pPr>
-    <a:lvl6pPr marL="2286000" algn="l" defTabSz="914400" rtl="0" eaLnBrk="1" latinLnBrk="0" hangingPunct="1">
+    <a:lvl6pPr marL="2286000" algn="l" defTabSz="457200" rtl="0" eaLnBrk="1" latinLnBrk="0" hangingPunct="1">
       <a:defRPr sz="1800" kern="1200">
         <a:solidFill>
           <a:schemeClr val="tx1"/>
@@ -76,7 +75,7 @@
         <a:cs typeface="+mn-cs"/>
       </a:defRPr>
     </a:lvl6pPr>
-    <a:lvl7pPr marL="2743200" algn="l" defTabSz="914400" rtl="0" eaLnBrk="1" latinLnBrk="0" hangingPunct="1">
+    <a:lvl7pPr marL="2743200" algn="l" defTabSz="457200" rtl="0" eaLnBrk="1" latinLnBrk="0" hangingPunct="1">
       <a:defRPr sz="1800" kern="1200">
         <a:solidFill>
           <a:schemeClr val="tx1"/>
@@ -86,7 +85,7 @@
         <a:cs typeface="+mn-cs"/>
       </a:defRPr>
     </a:lvl7pPr>
-    <a:lvl8pPr marL="3200400" algn="l" defTabSz="914400" rtl="0" eaLnBrk="1" latinLnBrk="0" hangingPunct="1">
+    <a:lvl8pPr marL="3200400" algn="l" defTabSz="457200" rtl="0" eaLnBrk="1" latinLnBrk="0" hangingPunct="1">
       <a:defRPr sz="1800" kern="1200">
         <a:solidFill>
           <a:schemeClr val="tx1"/>
@@ -96,7 +95,7 @@
         <a:cs typeface="+mn-cs"/>
       </a:defRPr>
     </a:lvl8pPr>
-    <a:lvl9pPr marL="3657600" algn="l" defTabSz="914400" rtl="0" eaLnBrk="1" latinLnBrk="0" hangingPunct="1">
+    <a:lvl9pPr marL="3657600" algn="l" defTabSz="457200" rtl="0" eaLnBrk="1" latinLnBrk="0" hangingPunct="1">
       <a:defRPr sz="1800" kern="1200">
         <a:solidFill>
           <a:schemeClr val="tx1"/>
@@ -134,13 +133,7 @@
       </p:grpSpPr>
       <p:sp>
         <p:nvSpPr>
-          <p:cNvPr id="2" name="標題 1">
-            <a:extLst>
-              <a:ext uri="{FF2B5EF4-FFF2-40B4-BE49-F238E27FC236}">
-                <a16:creationId xmlns:a16="http://schemas.microsoft.com/office/drawing/2014/main" id="{E2A42E9C-55C9-413A-83CD-AC02DE91882A}"/>
-              </a:ext>
-            </a:extLst>
-          </p:cNvPr>
+          <p:cNvPr id="2" name="Title 1"/>
           <p:cNvSpPr>
             <a:spLocks noGrp="1"/>
           </p:cNvSpPr>
@@ -150,8 +143,8 @@
         </p:nvSpPr>
         <p:spPr>
           <a:xfrm>
-            <a:off x="1524000" y="1122363"/>
-            <a:ext cx="9144000" cy="2387600"/>
+            <a:off x="685800" y="1122363"/>
+            <a:ext cx="7772400" cy="2387600"/>
           </a:xfrm>
         </p:spPr>
         <p:txBody>
@@ -163,21 +156,16 @@
           </a:lstStyle>
           <a:p>
             <a:r>
-              <a:rPr lang="zh-TW" altLang="en-US"/>
+              <a:rPr lang="zh-TW" altLang="en-US" smtClean="0"/>
               <a:t>按一下以編輯母片標題樣式</a:t>
             </a:r>
-          </a:p>
-        </p:txBody>
-      </p:sp>
-      <p:sp>
-        <p:nvSpPr>
-          <p:cNvPr id="3" name="副標題 2">
-            <a:extLst>
-              <a:ext uri="{FF2B5EF4-FFF2-40B4-BE49-F238E27FC236}">
-                <a16:creationId xmlns:a16="http://schemas.microsoft.com/office/drawing/2014/main" id="{8FBCDD19-E6C1-412C-A8EB-2D9839CE6DDD}"/>
-              </a:ext>
-            </a:extLst>
-          </p:cNvPr>
+            <a:endParaRPr lang="en-US" dirty="0"/>
+          </a:p>
+        </p:txBody>
+      </p:sp>
+      <p:sp>
+        <p:nvSpPr>
+          <p:cNvPr id="3" name="Subtitle 2"/>
           <p:cNvSpPr>
             <a:spLocks noGrp="1"/>
           </p:cNvSpPr>
@@ -187,8 +175,8 @@
         </p:nvSpPr>
         <p:spPr>
           <a:xfrm>
-            <a:off x="1524000" y="3602038"/>
-            <a:ext cx="9144000" cy="1655762"/>
+            <a:off x="1143000" y="3602038"/>
+            <a:ext cx="6858000" cy="1655762"/>
           </a:xfrm>
         </p:spPr>
         <p:txBody>
@@ -233,21 +221,16 @@
           </a:lstStyle>
           <a:p>
             <a:r>
-              <a:rPr lang="zh-TW" altLang="en-US"/>
-              <a:t>按一下以編輯母片子標題樣式</a:t>
-            </a:r>
-          </a:p>
-        </p:txBody>
-      </p:sp>
-      <p:sp>
-        <p:nvSpPr>
-          <p:cNvPr id="4" name="日期版面配置區 3">
-            <a:extLst>
-              <a:ext uri="{FF2B5EF4-FFF2-40B4-BE49-F238E27FC236}">
-                <a16:creationId xmlns:a16="http://schemas.microsoft.com/office/drawing/2014/main" id="{ACF8C40B-2E68-42A9-9371-D5196617DCB8}"/>
-              </a:ext>
-            </a:extLst>
-          </p:cNvPr>
+              <a:rPr lang="zh-TW" altLang="en-US" smtClean="0"/>
+              <a:t>按一下以編輯母片副標題樣式</a:t>
+            </a:r>
+            <a:endParaRPr lang="en-US" dirty="0"/>
+          </a:p>
+        </p:txBody>
+      </p:sp>
+      <p:sp>
+        <p:nvSpPr>
+          <p:cNvPr id="4" name="Date Placeholder 3"/>
           <p:cNvSpPr>
             <a:spLocks noGrp="1"/>
           </p:cNvSpPr>
@@ -262,7 +245,7 @@
           <a:p>
             <a:fld id="{62D93BA6-A86C-442C-8F92-D217A208363D}" type="datetimeFigureOut">
               <a:rPr lang="zh-TW" altLang="en-US" smtClean="0"/>
-              <a:t>2025/7/7</a:t>
+              <a:t>2025/7/8</a:t>
             </a:fld>
             <a:endParaRPr lang="zh-TW" altLang="en-US"/>
           </a:p>
@@ -270,13 +253,7 @@
       </p:sp>
       <p:sp>
         <p:nvSpPr>
-          <p:cNvPr id="5" name="頁尾版面配置區 4">
-            <a:extLst>
-              <a:ext uri="{FF2B5EF4-FFF2-40B4-BE49-F238E27FC236}">
-                <a16:creationId xmlns:a16="http://schemas.microsoft.com/office/drawing/2014/main" id="{9F65C516-508B-4C44-8E5A-CFC2A0F3B198}"/>
-              </a:ext>
-            </a:extLst>
-          </p:cNvPr>
+          <p:cNvPr id="5" name="Footer Placeholder 4"/>
           <p:cNvSpPr>
             <a:spLocks noGrp="1"/>
           </p:cNvSpPr>
@@ -295,13 +272,7 @@
       </p:sp>
       <p:sp>
         <p:nvSpPr>
-          <p:cNvPr id="6" name="投影片編號版面配置區 5">
-            <a:extLst>
-              <a:ext uri="{FF2B5EF4-FFF2-40B4-BE49-F238E27FC236}">
-                <a16:creationId xmlns:a16="http://schemas.microsoft.com/office/drawing/2014/main" id="{A2687DBF-E619-4EF9-B66F-ED86378FF42B}"/>
-              </a:ext>
-            </a:extLst>
-          </p:cNvPr>
+          <p:cNvPr id="6" name="Slide Number Placeholder 5"/>
           <p:cNvSpPr>
             <a:spLocks noGrp="1"/>
           </p:cNvSpPr>
@@ -325,7 +296,7 @@
     </p:spTree>
     <p:extLst>
       <p:ext uri="{BB962C8B-B14F-4D97-AF65-F5344CB8AC3E}">
-        <p14:creationId xmlns:p14="http://schemas.microsoft.com/office/powerpoint/2010/main" val="1241863183"/>
+        <p14:creationId xmlns:p14="http://schemas.microsoft.com/office/powerpoint/2010/main" val="2444572455"/>
       </p:ext>
     </p:extLst>
   </p:cSld>
@@ -354,13 +325,7 @@
       </p:grpSpPr>
       <p:sp>
         <p:nvSpPr>
-          <p:cNvPr id="2" name="標題 1">
-            <a:extLst>
-              <a:ext uri="{FF2B5EF4-FFF2-40B4-BE49-F238E27FC236}">
-                <a16:creationId xmlns:a16="http://schemas.microsoft.com/office/drawing/2014/main" id="{B88F5D8D-CD60-4782-9B30-0A0444C0C019}"/>
-              </a:ext>
-            </a:extLst>
-          </p:cNvPr>
+          <p:cNvPr id="2" name="Title 1"/>
           <p:cNvSpPr>
             <a:spLocks noGrp="1"/>
           </p:cNvSpPr>
@@ -374,21 +339,16 @@
           <a:lstStyle/>
           <a:p>
             <a:r>
-              <a:rPr lang="zh-TW" altLang="en-US"/>
+              <a:rPr lang="zh-TW" altLang="en-US" smtClean="0"/>
               <a:t>按一下以編輯母片標題樣式</a:t>
             </a:r>
-          </a:p>
-        </p:txBody>
-      </p:sp>
-      <p:sp>
-        <p:nvSpPr>
-          <p:cNvPr id="3" name="直排文字版面配置區 2">
-            <a:extLst>
-              <a:ext uri="{FF2B5EF4-FFF2-40B4-BE49-F238E27FC236}">
-                <a16:creationId xmlns:a16="http://schemas.microsoft.com/office/drawing/2014/main" id="{CDDD16BE-54A6-496A-A7FA-21DDA9EFB2C6}"/>
-              </a:ext>
-            </a:extLst>
-          </p:cNvPr>
+            <a:endParaRPr lang="en-US" dirty="0"/>
+          </a:p>
+        </p:txBody>
+      </p:sp>
+      <p:sp>
+        <p:nvSpPr>
+          <p:cNvPr id="3" name="Vertical Text Placeholder 2"/>
           <p:cNvSpPr>
             <a:spLocks noGrp="1"/>
           </p:cNvSpPr>
@@ -403,49 +363,44 @@
           <a:p>
             <a:pPr lvl="0"/>
             <a:r>
-              <a:rPr lang="zh-TW" altLang="en-US"/>
-              <a:t>按一下以編輯母片文字樣式</a:t>
+              <a:rPr lang="zh-TW" altLang="en-US" smtClean="0"/>
+              <a:t>編輯母片文字樣式</a:t>
             </a:r>
           </a:p>
           <a:p>
             <a:pPr lvl="1"/>
             <a:r>
-              <a:rPr lang="zh-TW" altLang="en-US"/>
+              <a:rPr lang="zh-TW" altLang="en-US" smtClean="0"/>
               <a:t>第二層</a:t>
             </a:r>
           </a:p>
           <a:p>
             <a:pPr lvl="2"/>
             <a:r>
-              <a:rPr lang="zh-TW" altLang="en-US"/>
+              <a:rPr lang="zh-TW" altLang="en-US" smtClean="0"/>
               <a:t>第三層</a:t>
             </a:r>
           </a:p>
           <a:p>
             <a:pPr lvl="3"/>
             <a:r>
-              <a:rPr lang="zh-TW" altLang="en-US"/>
+              <a:rPr lang="zh-TW" altLang="en-US" smtClean="0"/>
               <a:t>第四層</a:t>
             </a:r>
           </a:p>
           <a:p>
             <a:pPr lvl="4"/>
             <a:r>
-              <a:rPr lang="zh-TW" altLang="en-US"/>
+              <a:rPr lang="zh-TW" altLang="en-US" smtClean="0"/>
               <a:t>第五層</a:t>
             </a:r>
-          </a:p>
-        </p:txBody>
-      </p:sp>
-      <p:sp>
-        <p:nvSpPr>
-          <p:cNvPr id="4" name="日期版面配置區 3">
-            <a:extLst>
-              <a:ext uri="{FF2B5EF4-FFF2-40B4-BE49-F238E27FC236}">
-                <a16:creationId xmlns:a16="http://schemas.microsoft.com/office/drawing/2014/main" id="{FCF6F623-A332-4693-B85E-54FC506D23AC}"/>
-              </a:ext>
-            </a:extLst>
-          </p:cNvPr>
+            <a:endParaRPr lang="en-US" dirty="0"/>
+          </a:p>
+        </p:txBody>
+      </p:sp>
+      <p:sp>
+        <p:nvSpPr>
+          <p:cNvPr id="4" name="Date Placeholder 3"/>
           <p:cNvSpPr>
             <a:spLocks noGrp="1"/>
           </p:cNvSpPr>
@@ -460,7 +415,7 @@
           <a:p>
             <a:fld id="{62D93BA6-A86C-442C-8F92-D217A208363D}" type="datetimeFigureOut">
               <a:rPr lang="zh-TW" altLang="en-US" smtClean="0"/>
-              <a:t>2025/7/7</a:t>
+              <a:t>2025/7/8</a:t>
             </a:fld>
             <a:endParaRPr lang="zh-TW" altLang="en-US"/>
           </a:p>
@@ -468,13 +423,7 @@
       </p:sp>
       <p:sp>
         <p:nvSpPr>
-          <p:cNvPr id="5" name="頁尾版面配置區 4">
-            <a:extLst>
-              <a:ext uri="{FF2B5EF4-FFF2-40B4-BE49-F238E27FC236}">
-                <a16:creationId xmlns:a16="http://schemas.microsoft.com/office/drawing/2014/main" id="{FE0295CE-2DAE-442C-A1CB-3A3A3A77E5F1}"/>
-              </a:ext>
-            </a:extLst>
-          </p:cNvPr>
+          <p:cNvPr id="5" name="Footer Placeholder 4"/>
           <p:cNvSpPr>
             <a:spLocks noGrp="1"/>
           </p:cNvSpPr>
@@ -493,13 +442,7 @@
       </p:sp>
       <p:sp>
         <p:nvSpPr>
-          <p:cNvPr id="6" name="投影片編號版面配置區 5">
-            <a:extLst>
-              <a:ext uri="{FF2B5EF4-FFF2-40B4-BE49-F238E27FC236}">
-                <a16:creationId xmlns:a16="http://schemas.microsoft.com/office/drawing/2014/main" id="{1C5653BC-8F64-47F2-9338-85AD0A08175F}"/>
-              </a:ext>
-            </a:extLst>
-          </p:cNvPr>
+          <p:cNvPr id="6" name="Slide Number Placeholder 5"/>
           <p:cNvSpPr>
             <a:spLocks noGrp="1"/>
           </p:cNvSpPr>
@@ -523,7 +466,7 @@
     </p:spTree>
     <p:extLst>
       <p:ext uri="{BB962C8B-B14F-4D97-AF65-F5344CB8AC3E}">
-        <p14:creationId xmlns:p14="http://schemas.microsoft.com/office/powerpoint/2010/main" val="494752775"/>
+        <p14:creationId xmlns:p14="http://schemas.microsoft.com/office/powerpoint/2010/main" val="2844209156"/>
       </p:ext>
     </p:extLst>
   </p:cSld>
@@ -552,13 +495,7 @@
       </p:grpSpPr>
       <p:sp>
         <p:nvSpPr>
-          <p:cNvPr id="2" name="直排標題 1">
-            <a:extLst>
-              <a:ext uri="{FF2B5EF4-FFF2-40B4-BE49-F238E27FC236}">
-                <a16:creationId xmlns:a16="http://schemas.microsoft.com/office/drawing/2014/main" id="{EB0C449C-A0BB-4893-AA1A-2979948F2236}"/>
-              </a:ext>
-            </a:extLst>
-          </p:cNvPr>
+          <p:cNvPr id="2" name="Vertical Title 1"/>
           <p:cNvSpPr>
             <a:spLocks noGrp="1"/>
           </p:cNvSpPr>
@@ -568,8 +505,8 @@
         </p:nvSpPr>
         <p:spPr>
           <a:xfrm>
-            <a:off x="8724900" y="365125"/>
-            <a:ext cx="2628900" cy="5811838"/>
+            <a:off x="6543675" y="365125"/>
+            <a:ext cx="1971675" cy="5811838"/>
           </a:xfrm>
         </p:spPr>
         <p:txBody>
@@ -577,21 +514,16 @@
           <a:lstStyle/>
           <a:p>
             <a:r>
-              <a:rPr lang="zh-TW" altLang="en-US"/>
+              <a:rPr lang="zh-TW" altLang="en-US" smtClean="0"/>
               <a:t>按一下以編輯母片標題樣式</a:t>
             </a:r>
-          </a:p>
-        </p:txBody>
-      </p:sp>
-      <p:sp>
-        <p:nvSpPr>
-          <p:cNvPr id="3" name="直排文字版面配置區 2">
-            <a:extLst>
-              <a:ext uri="{FF2B5EF4-FFF2-40B4-BE49-F238E27FC236}">
-                <a16:creationId xmlns:a16="http://schemas.microsoft.com/office/drawing/2014/main" id="{E8372D93-C127-4909-BD95-721D86823685}"/>
-              </a:ext>
-            </a:extLst>
-          </p:cNvPr>
+            <a:endParaRPr lang="en-US" dirty="0"/>
+          </a:p>
+        </p:txBody>
+      </p:sp>
+      <p:sp>
+        <p:nvSpPr>
+          <p:cNvPr id="3" name="Vertical Text Placeholder 2"/>
           <p:cNvSpPr>
             <a:spLocks noGrp="1"/>
           </p:cNvSpPr>
@@ -601,8 +533,8 @@
         </p:nvSpPr>
         <p:spPr>
           <a:xfrm>
-            <a:off x="838200" y="365125"/>
-            <a:ext cx="7734300" cy="5811838"/>
+            <a:off x="628650" y="365125"/>
+            <a:ext cx="5800725" cy="5811838"/>
           </a:xfrm>
         </p:spPr>
         <p:txBody>
@@ -611,49 +543,44 @@
           <a:p>
             <a:pPr lvl="0"/>
             <a:r>
-              <a:rPr lang="zh-TW" altLang="en-US"/>
-              <a:t>按一下以編輯母片文字樣式</a:t>
+              <a:rPr lang="zh-TW" altLang="en-US" smtClean="0"/>
+              <a:t>編輯母片文字樣式</a:t>
             </a:r>
           </a:p>
           <a:p>
             <a:pPr lvl="1"/>
             <a:r>
-              <a:rPr lang="zh-TW" altLang="en-US"/>
+              <a:rPr lang="zh-TW" altLang="en-US" smtClean="0"/>
               <a:t>第二層</a:t>
             </a:r>
           </a:p>
           <a:p>
             <a:pPr lvl="2"/>
             <a:r>
-              <a:rPr lang="zh-TW" altLang="en-US"/>
+              <a:rPr lang="zh-TW" altLang="en-US" smtClean="0"/>
               <a:t>第三層</a:t>
             </a:r>
           </a:p>
           <a:p>
             <a:pPr lvl="3"/>
             <a:r>
-              <a:rPr lang="zh-TW" altLang="en-US"/>
+              <a:rPr lang="zh-TW" altLang="en-US" smtClean="0"/>
               <a:t>第四層</a:t>
             </a:r>
           </a:p>
           <a:p>
             <a:pPr lvl="4"/>
             <a:r>
-              <a:rPr lang="zh-TW" altLang="en-US"/>
+              <a:rPr lang="zh-TW" altLang="en-US" smtClean="0"/>
               <a:t>第五層</a:t>
             </a:r>
-          </a:p>
-        </p:txBody>
-      </p:sp>
-      <p:sp>
-        <p:nvSpPr>
-          <p:cNvPr id="4" name="日期版面配置區 3">
-            <a:extLst>
-              <a:ext uri="{FF2B5EF4-FFF2-40B4-BE49-F238E27FC236}">
-                <a16:creationId xmlns:a16="http://schemas.microsoft.com/office/drawing/2014/main" id="{7B929C4E-C767-4101-A8D1-99FD77A35C48}"/>
-              </a:ext>
-            </a:extLst>
-          </p:cNvPr>
+            <a:endParaRPr lang="en-US" dirty="0"/>
+          </a:p>
+        </p:txBody>
+      </p:sp>
+      <p:sp>
+        <p:nvSpPr>
+          <p:cNvPr id="4" name="Date Placeholder 3"/>
           <p:cNvSpPr>
             <a:spLocks noGrp="1"/>
           </p:cNvSpPr>
@@ -668,7 +595,7 @@
           <a:p>
             <a:fld id="{62D93BA6-A86C-442C-8F92-D217A208363D}" type="datetimeFigureOut">
               <a:rPr lang="zh-TW" altLang="en-US" smtClean="0"/>
-              <a:t>2025/7/7</a:t>
+              <a:t>2025/7/8</a:t>
             </a:fld>
             <a:endParaRPr lang="zh-TW" altLang="en-US"/>
           </a:p>
@@ -676,13 +603,7 @@
       </p:sp>
       <p:sp>
         <p:nvSpPr>
-          <p:cNvPr id="5" name="頁尾版面配置區 4">
-            <a:extLst>
-              <a:ext uri="{FF2B5EF4-FFF2-40B4-BE49-F238E27FC236}">
-                <a16:creationId xmlns:a16="http://schemas.microsoft.com/office/drawing/2014/main" id="{CEE6EAF7-1FBD-4A3A-BC84-E21D223C3D66}"/>
-              </a:ext>
-            </a:extLst>
-          </p:cNvPr>
+          <p:cNvPr id="5" name="Footer Placeholder 4"/>
           <p:cNvSpPr>
             <a:spLocks noGrp="1"/>
           </p:cNvSpPr>
@@ -701,13 +622,7 @@
       </p:sp>
       <p:sp>
         <p:nvSpPr>
-          <p:cNvPr id="6" name="投影片編號版面配置區 5">
-            <a:extLst>
-              <a:ext uri="{FF2B5EF4-FFF2-40B4-BE49-F238E27FC236}">
-                <a16:creationId xmlns:a16="http://schemas.microsoft.com/office/drawing/2014/main" id="{386AA088-2F53-4835-8482-2172F95CF0E7}"/>
-              </a:ext>
-            </a:extLst>
-          </p:cNvPr>
+          <p:cNvPr id="6" name="Slide Number Placeholder 5"/>
           <p:cNvSpPr>
             <a:spLocks noGrp="1"/>
           </p:cNvSpPr>
@@ -731,7 +646,7 @@
     </p:spTree>
     <p:extLst>
       <p:ext uri="{BB962C8B-B14F-4D97-AF65-F5344CB8AC3E}">
-        <p14:creationId xmlns:p14="http://schemas.microsoft.com/office/powerpoint/2010/main" val="3049305997"/>
+        <p14:creationId xmlns:p14="http://schemas.microsoft.com/office/powerpoint/2010/main" val="786543540"/>
       </p:ext>
     </p:extLst>
   </p:cSld>
@@ -743,7 +658,7 @@
 
 <file path=ppt/slideLayouts/slideLayout2.xml><?xml version="1.0" encoding="utf-8"?>
 <p:sldLayout xmlns:a="http://schemas.openxmlformats.org/drawingml/2006/main" xmlns:r="http://schemas.openxmlformats.org/officeDocument/2006/relationships" xmlns:p="http://schemas.openxmlformats.org/presentationml/2006/main" type="obj" preserve="1">
-  <p:cSld name="標題及內容">
+  <p:cSld name="標題及物件">
     <p:spTree>
       <p:nvGrpSpPr>
         <p:cNvPr id="1" name=""/>
@@ -760,13 +675,7 @@
       </p:grpSpPr>
       <p:sp>
         <p:nvSpPr>
-          <p:cNvPr id="2" name="標題 1">
-            <a:extLst>
-              <a:ext uri="{FF2B5EF4-FFF2-40B4-BE49-F238E27FC236}">
-                <a16:creationId xmlns:a16="http://schemas.microsoft.com/office/drawing/2014/main" id="{554718BE-0C46-403B-AEEF-7782D027D3DF}"/>
-              </a:ext>
-            </a:extLst>
-          </p:cNvPr>
+          <p:cNvPr id="2" name="Title 1"/>
           <p:cNvSpPr>
             <a:spLocks noGrp="1"/>
           </p:cNvSpPr>
@@ -780,21 +689,16 @@
           <a:lstStyle/>
           <a:p>
             <a:r>
-              <a:rPr lang="zh-TW" altLang="en-US"/>
+              <a:rPr lang="zh-TW" altLang="en-US" smtClean="0"/>
               <a:t>按一下以編輯母片標題樣式</a:t>
             </a:r>
-          </a:p>
-        </p:txBody>
-      </p:sp>
-      <p:sp>
-        <p:nvSpPr>
-          <p:cNvPr id="3" name="內容版面配置區 2">
-            <a:extLst>
-              <a:ext uri="{FF2B5EF4-FFF2-40B4-BE49-F238E27FC236}">
-                <a16:creationId xmlns:a16="http://schemas.microsoft.com/office/drawing/2014/main" id="{8E621ACF-49FC-4B75-B3DE-13E8F1841429}"/>
-              </a:ext>
-            </a:extLst>
-          </p:cNvPr>
+            <a:endParaRPr lang="en-US" dirty="0"/>
+          </a:p>
+        </p:txBody>
+      </p:sp>
+      <p:sp>
+        <p:nvSpPr>
+          <p:cNvPr id="3" name="Content Placeholder 2"/>
           <p:cNvSpPr>
             <a:spLocks noGrp="1"/>
           </p:cNvSpPr>
@@ -809,49 +713,44 @@
           <a:p>
             <a:pPr lvl="0"/>
             <a:r>
-              <a:rPr lang="zh-TW" altLang="en-US"/>
-              <a:t>按一下以編輯母片文字樣式</a:t>
+              <a:rPr lang="zh-TW" altLang="en-US" smtClean="0"/>
+              <a:t>編輯母片文字樣式</a:t>
             </a:r>
           </a:p>
           <a:p>
             <a:pPr lvl="1"/>
             <a:r>
-              <a:rPr lang="zh-TW" altLang="en-US"/>
+              <a:rPr lang="zh-TW" altLang="en-US" smtClean="0"/>
               <a:t>第二層</a:t>
             </a:r>
           </a:p>
           <a:p>
             <a:pPr lvl="2"/>
             <a:r>
-              <a:rPr lang="zh-TW" altLang="en-US"/>
+              <a:rPr lang="zh-TW" altLang="en-US" smtClean="0"/>
               <a:t>第三層</a:t>
             </a:r>
           </a:p>
           <a:p>
             <a:pPr lvl="3"/>
             <a:r>
-              <a:rPr lang="zh-TW" altLang="en-US"/>
+              <a:rPr lang="zh-TW" altLang="en-US" smtClean="0"/>
               <a:t>第四層</a:t>
             </a:r>
           </a:p>
           <a:p>
             <a:pPr lvl="4"/>
             <a:r>
-              <a:rPr lang="zh-TW" altLang="en-US"/>
+              <a:rPr lang="zh-TW" altLang="en-US" smtClean="0"/>
               <a:t>第五層</a:t>
             </a:r>
-          </a:p>
-        </p:txBody>
-      </p:sp>
-      <p:sp>
-        <p:nvSpPr>
-          <p:cNvPr id="4" name="日期版面配置區 3">
-            <a:extLst>
-              <a:ext uri="{FF2B5EF4-FFF2-40B4-BE49-F238E27FC236}">
-                <a16:creationId xmlns:a16="http://schemas.microsoft.com/office/drawing/2014/main" id="{0A02A54C-2D18-4C70-A2A4-C090E992948C}"/>
-              </a:ext>
-            </a:extLst>
-          </p:cNvPr>
+            <a:endParaRPr lang="en-US" dirty="0"/>
+          </a:p>
+        </p:txBody>
+      </p:sp>
+      <p:sp>
+        <p:nvSpPr>
+          <p:cNvPr id="4" name="Date Placeholder 3"/>
           <p:cNvSpPr>
             <a:spLocks noGrp="1"/>
           </p:cNvSpPr>
@@ -866,7 +765,7 @@
           <a:p>
             <a:fld id="{62D93BA6-A86C-442C-8F92-D217A208363D}" type="datetimeFigureOut">
               <a:rPr lang="zh-TW" altLang="en-US" smtClean="0"/>
-              <a:t>2025/7/7</a:t>
+              <a:t>2025/7/8</a:t>
             </a:fld>
             <a:endParaRPr lang="zh-TW" altLang="en-US"/>
           </a:p>
@@ -874,13 +773,7 @@
       </p:sp>
       <p:sp>
         <p:nvSpPr>
-          <p:cNvPr id="5" name="頁尾版面配置區 4">
-            <a:extLst>
-              <a:ext uri="{FF2B5EF4-FFF2-40B4-BE49-F238E27FC236}">
-                <a16:creationId xmlns:a16="http://schemas.microsoft.com/office/drawing/2014/main" id="{689ED677-1D3B-4B10-BC88-190A160BEB0C}"/>
-              </a:ext>
-            </a:extLst>
-          </p:cNvPr>
+          <p:cNvPr id="5" name="Footer Placeholder 4"/>
           <p:cNvSpPr>
             <a:spLocks noGrp="1"/>
           </p:cNvSpPr>
@@ -899,13 +792,7 @@
       </p:sp>
       <p:sp>
         <p:nvSpPr>
-          <p:cNvPr id="6" name="投影片編號版面配置區 5">
-            <a:extLst>
-              <a:ext uri="{FF2B5EF4-FFF2-40B4-BE49-F238E27FC236}">
-                <a16:creationId xmlns:a16="http://schemas.microsoft.com/office/drawing/2014/main" id="{E7DF155A-04E5-46C1-AB55-847876F471B4}"/>
-              </a:ext>
-            </a:extLst>
-          </p:cNvPr>
+          <p:cNvPr id="6" name="Slide Number Placeholder 5"/>
           <p:cNvSpPr>
             <a:spLocks noGrp="1"/>
           </p:cNvSpPr>
@@ -929,7 +816,7 @@
     </p:spTree>
     <p:extLst>
       <p:ext uri="{BB962C8B-B14F-4D97-AF65-F5344CB8AC3E}">
-        <p14:creationId xmlns:p14="http://schemas.microsoft.com/office/powerpoint/2010/main" val="4061679380"/>
+        <p14:creationId xmlns:p14="http://schemas.microsoft.com/office/powerpoint/2010/main" val="92468993"/>
       </p:ext>
     </p:extLst>
   </p:cSld>
@@ -958,13 +845,7 @@
       </p:grpSpPr>
       <p:sp>
         <p:nvSpPr>
-          <p:cNvPr id="2" name="標題 1">
-            <a:extLst>
-              <a:ext uri="{FF2B5EF4-FFF2-40B4-BE49-F238E27FC236}">
-                <a16:creationId xmlns:a16="http://schemas.microsoft.com/office/drawing/2014/main" id="{E4F46DC7-8925-40B6-B664-9C171B106F95}"/>
-              </a:ext>
-            </a:extLst>
-          </p:cNvPr>
+          <p:cNvPr id="2" name="Title 1"/>
           <p:cNvSpPr>
             <a:spLocks noGrp="1"/>
           </p:cNvSpPr>
@@ -974,8 +855,8 @@
         </p:nvSpPr>
         <p:spPr>
           <a:xfrm>
-            <a:off x="831850" y="1709738"/>
-            <a:ext cx="10515600" cy="2852737"/>
+            <a:off x="623888" y="1709739"/>
+            <a:ext cx="7886700" cy="2852737"/>
           </a:xfrm>
         </p:spPr>
         <p:txBody>
@@ -987,21 +868,16 @@
           </a:lstStyle>
           <a:p>
             <a:r>
-              <a:rPr lang="zh-TW" altLang="en-US"/>
+              <a:rPr lang="zh-TW" altLang="en-US" smtClean="0"/>
               <a:t>按一下以編輯母片標題樣式</a:t>
             </a:r>
-          </a:p>
-        </p:txBody>
-      </p:sp>
-      <p:sp>
-        <p:nvSpPr>
-          <p:cNvPr id="3" name="文字版面配置區 2">
-            <a:extLst>
-              <a:ext uri="{FF2B5EF4-FFF2-40B4-BE49-F238E27FC236}">
-                <a16:creationId xmlns:a16="http://schemas.microsoft.com/office/drawing/2014/main" id="{6CE39EE1-16E0-4B61-BED0-0FA0234AAF25}"/>
-              </a:ext>
-            </a:extLst>
-          </p:cNvPr>
+            <a:endParaRPr lang="en-US" dirty="0"/>
+          </a:p>
+        </p:txBody>
+      </p:sp>
+      <p:sp>
+        <p:nvSpPr>
+          <p:cNvPr id="3" name="Text Placeholder 2"/>
           <p:cNvSpPr>
             <a:spLocks noGrp="1"/>
           </p:cNvSpPr>
@@ -1011,8 +887,8 @@
         </p:nvSpPr>
         <p:spPr>
           <a:xfrm>
-            <a:off x="831850" y="4589463"/>
-            <a:ext cx="10515600" cy="1500187"/>
+            <a:off x="623888" y="4589464"/>
+            <a:ext cx="7886700" cy="1500187"/>
           </a:xfrm>
         </p:spPr>
         <p:txBody>
@@ -1022,9 +898,7 @@
               <a:buNone/>
               <a:defRPr sz="2400">
                 <a:solidFill>
-                  <a:schemeClr val="tx1">
-                    <a:tint val="75000"/>
-                  </a:schemeClr>
+                  <a:schemeClr val="tx1"/>
                 </a:solidFill>
               </a:defRPr>
             </a:lvl1pPr>
@@ -1112,21 +986,15 @@
           <a:p>
             <a:pPr lvl="0"/>
             <a:r>
-              <a:rPr lang="zh-TW" altLang="en-US"/>
-              <a:t>按一下以編輯母片文字樣式</a:t>
-            </a:r>
-          </a:p>
-        </p:txBody>
-      </p:sp>
-      <p:sp>
-        <p:nvSpPr>
-          <p:cNvPr id="4" name="日期版面配置區 3">
-            <a:extLst>
-              <a:ext uri="{FF2B5EF4-FFF2-40B4-BE49-F238E27FC236}">
-                <a16:creationId xmlns:a16="http://schemas.microsoft.com/office/drawing/2014/main" id="{B74D3954-E98C-486A-9555-45CBCCC6DF2B}"/>
-              </a:ext>
-            </a:extLst>
-          </p:cNvPr>
+              <a:rPr lang="zh-TW" altLang="en-US" smtClean="0"/>
+              <a:t>編輯母片文字樣式</a:t>
+            </a:r>
+          </a:p>
+        </p:txBody>
+      </p:sp>
+      <p:sp>
+        <p:nvSpPr>
+          <p:cNvPr id="4" name="Date Placeholder 3"/>
           <p:cNvSpPr>
             <a:spLocks noGrp="1"/>
           </p:cNvSpPr>
@@ -1141,7 +1009,7 @@
           <a:p>
             <a:fld id="{62D93BA6-A86C-442C-8F92-D217A208363D}" type="datetimeFigureOut">
               <a:rPr lang="zh-TW" altLang="en-US" smtClean="0"/>
-              <a:t>2025/7/7</a:t>
+              <a:t>2025/7/8</a:t>
             </a:fld>
             <a:endParaRPr lang="zh-TW" altLang="en-US"/>
           </a:p>
@@ -1149,13 +1017,7 @@
       </p:sp>
       <p:sp>
         <p:nvSpPr>
-          <p:cNvPr id="5" name="頁尾版面配置區 4">
-            <a:extLst>
-              <a:ext uri="{FF2B5EF4-FFF2-40B4-BE49-F238E27FC236}">
-                <a16:creationId xmlns:a16="http://schemas.microsoft.com/office/drawing/2014/main" id="{77A4D764-BDEA-4131-9402-255AF355C5BE}"/>
-              </a:ext>
-            </a:extLst>
-          </p:cNvPr>
+          <p:cNvPr id="5" name="Footer Placeholder 4"/>
           <p:cNvSpPr>
             <a:spLocks noGrp="1"/>
           </p:cNvSpPr>
@@ -1174,13 +1036,7 @@
       </p:sp>
       <p:sp>
         <p:nvSpPr>
-          <p:cNvPr id="6" name="投影片編號版面配置區 5">
-            <a:extLst>
-              <a:ext uri="{FF2B5EF4-FFF2-40B4-BE49-F238E27FC236}">
-                <a16:creationId xmlns:a16="http://schemas.microsoft.com/office/drawing/2014/main" id="{898B4BF3-7ACD-420A-9B8C-E700A4E23719}"/>
-              </a:ext>
-            </a:extLst>
-          </p:cNvPr>
+          <p:cNvPr id="6" name="Slide Number Placeholder 5"/>
           <p:cNvSpPr>
             <a:spLocks noGrp="1"/>
           </p:cNvSpPr>
@@ -1204,7 +1060,7 @@
     </p:spTree>
     <p:extLst>
       <p:ext uri="{BB962C8B-B14F-4D97-AF65-F5344CB8AC3E}">
-        <p14:creationId xmlns:p14="http://schemas.microsoft.com/office/powerpoint/2010/main" val="3066902781"/>
+        <p14:creationId xmlns:p14="http://schemas.microsoft.com/office/powerpoint/2010/main" val="3833136201"/>
       </p:ext>
     </p:extLst>
   </p:cSld>
@@ -1216,7 +1072,7 @@
 
 <file path=ppt/slideLayouts/slideLayout4.xml><?xml version="1.0" encoding="utf-8"?>
 <p:sldLayout xmlns:a="http://schemas.openxmlformats.org/drawingml/2006/main" xmlns:r="http://schemas.openxmlformats.org/officeDocument/2006/relationships" xmlns:p="http://schemas.openxmlformats.org/presentationml/2006/main" type="twoObj" preserve="1">
-  <p:cSld name="兩個內容">
+  <p:cSld name="兩項物件">
     <p:spTree>
       <p:nvGrpSpPr>
         <p:cNvPr id="1" name=""/>
@@ -1233,13 +1089,7 @@
       </p:grpSpPr>
       <p:sp>
         <p:nvSpPr>
-          <p:cNvPr id="2" name="標題 1">
-            <a:extLst>
-              <a:ext uri="{FF2B5EF4-FFF2-40B4-BE49-F238E27FC236}">
-                <a16:creationId xmlns:a16="http://schemas.microsoft.com/office/drawing/2014/main" id="{FDB61339-7EA5-4156-A5F9-B05464BCCF25}"/>
-              </a:ext>
-            </a:extLst>
-          </p:cNvPr>
+          <p:cNvPr id="2" name="Title 1"/>
           <p:cNvSpPr>
             <a:spLocks noGrp="1"/>
           </p:cNvSpPr>
@@ -1253,21 +1103,16 @@
           <a:lstStyle/>
           <a:p>
             <a:r>
-              <a:rPr lang="zh-TW" altLang="en-US"/>
+              <a:rPr lang="zh-TW" altLang="en-US" smtClean="0"/>
               <a:t>按一下以編輯母片標題樣式</a:t>
             </a:r>
-          </a:p>
-        </p:txBody>
-      </p:sp>
-      <p:sp>
-        <p:nvSpPr>
-          <p:cNvPr id="3" name="內容版面配置區 2">
-            <a:extLst>
-              <a:ext uri="{FF2B5EF4-FFF2-40B4-BE49-F238E27FC236}">
-                <a16:creationId xmlns:a16="http://schemas.microsoft.com/office/drawing/2014/main" id="{1BAA00D7-0188-4DC1-9EAA-EAF76B0DA808}"/>
-              </a:ext>
-            </a:extLst>
-          </p:cNvPr>
+            <a:endParaRPr lang="en-US" dirty="0"/>
+          </a:p>
+        </p:txBody>
+      </p:sp>
+      <p:sp>
+        <p:nvSpPr>
+          <p:cNvPr id="3" name="Content Placeholder 2"/>
           <p:cNvSpPr>
             <a:spLocks noGrp="1"/>
           </p:cNvSpPr>
@@ -1277,8 +1122,8 @@
         </p:nvSpPr>
         <p:spPr>
           <a:xfrm>
-            <a:off x="838200" y="1825625"/>
-            <a:ext cx="5181600" cy="4351338"/>
+            <a:off x="628650" y="1825625"/>
+            <a:ext cx="3886200" cy="4351338"/>
           </a:xfrm>
         </p:spPr>
         <p:txBody>
@@ -1287,49 +1132,44 @@
           <a:p>
             <a:pPr lvl="0"/>
             <a:r>
-              <a:rPr lang="zh-TW" altLang="en-US"/>
-              <a:t>按一下以編輯母片文字樣式</a:t>
+              <a:rPr lang="zh-TW" altLang="en-US" smtClean="0"/>
+              <a:t>編輯母片文字樣式</a:t>
             </a:r>
           </a:p>
           <a:p>
             <a:pPr lvl="1"/>
             <a:r>
-              <a:rPr lang="zh-TW" altLang="en-US"/>
+              <a:rPr lang="zh-TW" altLang="en-US" smtClean="0"/>
               <a:t>第二層</a:t>
             </a:r>
           </a:p>
           <a:p>
             <a:pPr lvl="2"/>
             <a:r>
-              <a:rPr lang="zh-TW" altLang="en-US"/>
+              <a:rPr lang="zh-TW" altLang="en-US" smtClean="0"/>
               <a:t>第三層</a:t>
             </a:r>
           </a:p>
           <a:p>
             <a:pPr lvl="3"/>
             <a:r>
-              <a:rPr lang="zh-TW" altLang="en-US"/>
+              <a:rPr lang="zh-TW" altLang="en-US" smtClean="0"/>
               <a:t>第四層</a:t>
             </a:r>
           </a:p>
           <a:p>
             <a:pPr lvl="4"/>
             <a:r>
-              <a:rPr lang="zh-TW" altLang="en-US"/>
+              <a:rPr lang="zh-TW" altLang="en-US" smtClean="0"/>
               <a:t>第五層</a:t>
             </a:r>
-          </a:p>
-        </p:txBody>
-      </p:sp>
-      <p:sp>
-        <p:nvSpPr>
-          <p:cNvPr id="4" name="內容版面配置區 3">
-            <a:extLst>
-              <a:ext uri="{FF2B5EF4-FFF2-40B4-BE49-F238E27FC236}">
-                <a16:creationId xmlns:a16="http://schemas.microsoft.com/office/drawing/2014/main" id="{75F4D6EE-68A3-4A61-A4A0-A09D394433AD}"/>
-              </a:ext>
-            </a:extLst>
-          </p:cNvPr>
+            <a:endParaRPr lang="en-US" dirty="0"/>
+          </a:p>
+        </p:txBody>
+      </p:sp>
+      <p:sp>
+        <p:nvSpPr>
+          <p:cNvPr id="4" name="Content Placeholder 3"/>
           <p:cNvSpPr>
             <a:spLocks noGrp="1"/>
           </p:cNvSpPr>
@@ -1339,8 +1179,8 @@
         </p:nvSpPr>
         <p:spPr>
           <a:xfrm>
-            <a:off x="6172200" y="1825625"/>
-            <a:ext cx="5181600" cy="4351338"/>
+            <a:off x="4629150" y="1825625"/>
+            <a:ext cx="3886200" cy="4351338"/>
           </a:xfrm>
         </p:spPr>
         <p:txBody>
@@ -1349,49 +1189,44 @@
           <a:p>
             <a:pPr lvl="0"/>
             <a:r>
-              <a:rPr lang="zh-TW" altLang="en-US"/>
-              <a:t>按一下以編輯母片文字樣式</a:t>
+              <a:rPr lang="zh-TW" altLang="en-US" smtClean="0"/>
+              <a:t>編輯母片文字樣式</a:t>
             </a:r>
           </a:p>
           <a:p>
             <a:pPr lvl="1"/>
             <a:r>
-              <a:rPr lang="zh-TW" altLang="en-US"/>
+              <a:rPr lang="zh-TW" altLang="en-US" smtClean="0"/>
               <a:t>第二層</a:t>
             </a:r>
           </a:p>
           <a:p>
             <a:pPr lvl="2"/>
             <a:r>
-              <a:rPr lang="zh-TW" altLang="en-US"/>
+              <a:rPr lang="zh-TW" altLang="en-US" smtClean="0"/>
               <a:t>第三層</a:t>
             </a:r>
           </a:p>
           <a:p>
             <a:pPr lvl="3"/>
             <a:r>
-              <a:rPr lang="zh-TW" altLang="en-US"/>
+              <a:rPr lang="zh-TW" altLang="en-US" smtClean="0"/>
               <a:t>第四層</a:t>
             </a:r>
           </a:p>
           <a:p>
             <a:pPr lvl="4"/>
             <a:r>
-              <a:rPr lang="zh-TW" altLang="en-US"/>
+              <a:rPr lang="zh-TW" altLang="en-US" smtClean="0"/>
               <a:t>第五層</a:t>
             </a:r>
-          </a:p>
-        </p:txBody>
-      </p:sp>
-      <p:sp>
-        <p:nvSpPr>
-          <p:cNvPr id="5" name="日期版面配置區 4">
-            <a:extLst>
-              <a:ext uri="{FF2B5EF4-FFF2-40B4-BE49-F238E27FC236}">
-                <a16:creationId xmlns:a16="http://schemas.microsoft.com/office/drawing/2014/main" id="{53A33710-30CC-403F-AE3E-3D5BFF128007}"/>
-              </a:ext>
-            </a:extLst>
-          </p:cNvPr>
+            <a:endParaRPr lang="en-US" dirty="0"/>
+          </a:p>
+        </p:txBody>
+      </p:sp>
+      <p:sp>
+        <p:nvSpPr>
+          <p:cNvPr id="5" name="Date Placeholder 4"/>
           <p:cNvSpPr>
             <a:spLocks noGrp="1"/>
           </p:cNvSpPr>
@@ -1406,7 +1241,7 @@
           <a:p>
             <a:fld id="{62D93BA6-A86C-442C-8F92-D217A208363D}" type="datetimeFigureOut">
               <a:rPr lang="zh-TW" altLang="en-US" smtClean="0"/>
-              <a:t>2025/7/7</a:t>
+              <a:t>2025/7/8</a:t>
             </a:fld>
             <a:endParaRPr lang="zh-TW" altLang="en-US"/>
           </a:p>
@@ -1414,13 +1249,7 @@
       </p:sp>
       <p:sp>
         <p:nvSpPr>
-          <p:cNvPr id="6" name="頁尾版面配置區 5">
-            <a:extLst>
-              <a:ext uri="{FF2B5EF4-FFF2-40B4-BE49-F238E27FC236}">
-                <a16:creationId xmlns:a16="http://schemas.microsoft.com/office/drawing/2014/main" id="{7AD77FFD-6C3A-4586-905C-9E0C5682139D}"/>
-              </a:ext>
-            </a:extLst>
-          </p:cNvPr>
+          <p:cNvPr id="6" name="Footer Placeholder 5"/>
           <p:cNvSpPr>
             <a:spLocks noGrp="1"/>
           </p:cNvSpPr>
@@ -1439,13 +1268,7 @@
       </p:sp>
       <p:sp>
         <p:nvSpPr>
-          <p:cNvPr id="7" name="投影片編號版面配置區 6">
-            <a:extLst>
-              <a:ext uri="{FF2B5EF4-FFF2-40B4-BE49-F238E27FC236}">
-                <a16:creationId xmlns:a16="http://schemas.microsoft.com/office/drawing/2014/main" id="{51BA03FE-1013-4F79-A97E-C165F4328034}"/>
-              </a:ext>
-            </a:extLst>
-          </p:cNvPr>
+          <p:cNvPr id="7" name="Slide Number Placeholder 6"/>
           <p:cNvSpPr>
             <a:spLocks noGrp="1"/>
           </p:cNvSpPr>
@@ -1469,7 +1292,7 @@
     </p:spTree>
     <p:extLst>
       <p:ext uri="{BB962C8B-B14F-4D97-AF65-F5344CB8AC3E}">
-        <p14:creationId xmlns:p14="http://schemas.microsoft.com/office/powerpoint/2010/main" val="999871088"/>
+        <p14:creationId xmlns:p14="http://schemas.microsoft.com/office/powerpoint/2010/main" val="921519417"/>
       </p:ext>
     </p:extLst>
   </p:cSld>
@@ -1481,7 +1304,7 @@
 
 <file path=ppt/slideLayouts/slideLayout5.xml><?xml version="1.0" encoding="utf-8"?>
 <p:sldLayout xmlns:a="http://schemas.openxmlformats.org/drawingml/2006/main" xmlns:r="http://schemas.openxmlformats.org/officeDocument/2006/relationships" xmlns:p="http://schemas.openxmlformats.org/presentationml/2006/main" type="twoTxTwoObj" preserve="1">
-  <p:cSld name="比較">
+  <p:cSld name="比對">
     <p:spTree>
       <p:nvGrpSpPr>
         <p:cNvPr id="1" name=""/>
@@ -1498,13 +1321,7 @@
       </p:grpSpPr>
       <p:sp>
         <p:nvSpPr>
-          <p:cNvPr id="2" name="標題 1">
-            <a:extLst>
-              <a:ext uri="{FF2B5EF4-FFF2-40B4-BE49-F238E27FC236}">
-                <a16:creationId xmlns:a16="http://schemas.microsoft.com/office/drawing/2014/main" id="{DF7CBA41-0EB8-458E-8DCB-7066075908F1}"/>
-              </a:ext>
-            </a:extLst>
-          </p:cNvPr>
+          <p:cNvPr id="2" name="Title 1"/>
           <p:cNvSpPr>
             <a:spLocks noGrp="1"/>
           </p:cNvSpPr>
@@ -1514,8 +1331,8 @@
         </p:nvSpPr>
         <p:spPr>
           <a:xfrm>
-            <a:off x="839788" y="365125"/>
-            <a:ext cx="10515600" cy="1325563"/>
+            <a:off x="629841" y="365126"/>
+            <a:ext cx="7886700" cy="1325563"/>
           </a:xfrm>
         </p:spPr>
         <p:txBody>
@@ -1523,21 +1340,16 @@
           <a:lstStyle/>
           <a:p>
             <a:r>
-              <a:rPr lang="zh-TW" altLang="en-US"/>
+              <a:rPr lang="zh-TW" altLang="en-US" smtClean="0"/>
               <a:t>按一下以編輯母片標題樣式</a:t>
             </a:r>
-          </a:p>
-        </p:txBody>
-      </p:sp>
-      <p:sp>
-        <p:nvSpPr>
-          <p:cNvPr id="3" name="文字版面配置區 2">
-            <a:extLst>
-              <a:ext uri="{FF2B5EF4-FFF2-40B4-BE49-F238E27FC236}">
-                <a16:creationId xmlns:a16="http://schemas.microsoft.com/office/drawing/2014/main" id="{8763E7EE-449B-4F36-89EE-6477321152FE}"/>
-              </a:ext>
-            </a:extLst>
-          </p:cNvPr>
+            <a:endParaRPr lang="en-US" dirty="0"/>
+          </a:p>
+        </p:txBody>
+      </p:sp>
+      <p:sp>
+        <p:nvSpPr>
+          <p:cNvPr id="3" name="Text Placeholder 2"/>
           <p:cNvSpPr>
             <a:spLocks noGrp="1"/>
           </p:cNvSpPr>
@@ -1547,8 +1359,8 @@
         </p:nvSpPr>
         <p:spPr>
           <a:xfrm>
-            <a:off x="839788" y="1681163"/>
-            <a:ext cx="5157787" cy="823912"/>
+            <a:off x="629842" y="1681163"/>
+            <a:ext cx="3868340" cy="823912"/>
           </a:xfrm>
         </p:spPr>
         <p:txBody>
@@ -1594,21 +1406,15 @@
           <a:p>
             <a:pPr lvl="0"/>
             <a:r>
-              <a:rPr lang="zh-TW" altLang="en-US"/>
-              <a:t>按一下以編輯母片文字樣式</a:t>
-            </a:r>
-          </a:p>
-        </p:txBody>
-      </p:sp>
-      <p:sp>
-        <p:nvSpPr>
-          <p:cNvPr id="4" name="內容版面配置區 3">
-            <a:extLst>
-              <a:ext uri="{FF2B5EF4-FFF2-40B4-BE49-F238E27FC236}">
-                <a16:creationId xmlns:a16="http://schemas.microsoft.com/office/drawing/2014/main" id="{16D3B14A-727B-4D21-967A-21B1ABFB74C7}"/>
-              </a:ext>
-            </a:extLst>
-          </p:cNvPr>
+              <a:rPr lang="zh-TW" altLang="en-US" smtClean="0"/>
+              <a:t>編輯母片文字樣式</a:t>
+            </a:r>
+          </a:p>
+        </p:txBody>
+      </p:sp>
+      <p:sp>
+        <p:nvSpPr>
+          <p:cNvPr id="4" name="Content Placeholder 3"/>
           <p:cNvSpPr>
             <a:spLocks noGrp="1"/>
           </p:cNvSpPr>
@@ -1618,8 +1424,8 @@
         </p:nvSpPr>
         <p:spPr>
           <a:xfrm>
-            <a:off x="839788" y="2505075"/>
-            <a:ext cx="5157787" cy="3684588"/>
+            <a:off x="629842" y="2505075"/>
+            <a:ext cx="3868340" cy="3684588"/>
           </a:xfrm>
         </p:spPr>
         <p:txBody>
@@ -1628,49 +1434,44 @@
           <a:p>
             <a:pPr lvl="0"/>
             <a:r>
-              <a:rPr lang="zh-TW" altLang="en-US"/>
-              <a:t>按一下以編輯母片文字樣式</a:t>
+              <a:rPr lang="zh-TW" altLang="en-US" smtClean="0"/>
+              <a:t>編輯母片文字樣式</a:t>
             </a:r>
           </a:p>
           <a:p>
             <a:pPr lvl="1"/>
             <a:r>
-              <a:rPr lang="zh-TW" altLang="en-US"/>
+              <a:rPr lang="zh-TW" altLang="en-US" smtClean="0"/>
               <a:t>第二層</a:t>
             </a:r>
           </a:p>
           <a:p>
             <a:pPr lvl="2"/>
             <a:r>
-              <a:rPr lang="zh-TW" altLang="en-US"/>
+              <a:rPr lang="zh-TW" altLang="en-US" smtClean="0"/>
               <a:t>第三層</a:t>
             </a:r>
           </a:p>
           <a:p>
             <a:pPr lvl="3"/>
             <a:r>
-              <a:rPr lang="zh-TW" altLang="en-US"/>
+              <a:rPr lang="zh-TW" altLang="en-US" smtClean="0"/>
               <a:t>第四層</a:t>
             </a:r>
           </a:p>
           <a:p>
             <a:pPr lvl="4"/>
             <a:r>
-              <a:rPr lang="zh-TW" altLang="en-US"/>
+              <a:rPr lang="zh-TW" altLang="en-US" smtClean="0"/>
               <a:t>第五層</a:t>
             </a:r>
-          </a:p>
-        </p:txBody>
-      </p:sp>
-      <p:sp>
-        <p:nvSpPr>
-          <p:cNvPr id="5" name="文字版面配置區 4">
-            <a:extLst>
-              <a:ext uri="{FF2B5EF4-FFF2-40B4-BE49-F238E27FC236}">
-                <a16:creationId xmlns:a16="http://schemas.microsoft.com/office/drawing/2014/main" id="{D6A315E7-E7E6-4837-BADC-4AE5DBF70C63}"/>
-              </a:ext>
-            </a:extLst>
-          </p:cNvPr>
+            <a:endParaRPr lang="en-US" dirty="0"/>
+          </a:p>
+        </p:txBody>
+      </p:sp>
+      <p:sp>
+        <p:nvSpPr>
+          <p:cNvPr id="5" name="Text Placeholder 4"/>
           <p:cNvSpPr>
             <a:spLocks noGrp="1"/>
           </p:cNvSpPr>
@@ -1680,8 +1481,8 @@
         </p:nvSpPr>
         <p:spPr>
           <a:xfrm>
-            <a:off x="6172200" y="1681163"/>
-            <a:ext cx="5183188" cy="823912"/>
+            <a:off x="4629150" y="1681163"/>
+            <a:ext cx="3887391" cy="823912"/>
           </a:xfrm>
         </p:spPr>
         <p:txBody>
@@ -1727,21 +1528,15 @@
           <a:p>
             <a:pPr lvl="0"/>
             <a:r>
-              <a:rPr lang="zh-TW" altLang="en-US"/>
-              <a:t>按一下以編輯母片文字樣式</a:t>
-            </a:r>
-          </a:p>
-        </p:txBody>
-      </p:sp>
-      <p:sp>
-        <p:nvSpPr>
-          <p:cNvPr id="6" name="內容版面配置區 5">
-            <a:extLst>
-              <a:ext uri="{FF2B5EF4-FFF2-40B4-BE49-F238E27FC236}">
-                <a16:creationId xmlns:a16="http://schemas.microsoft.com/office/drawing/2014/main" id="{71E46C9E-2058-43EB-9A2A-08B05AF3F945}"/>
-              </a:ext>
-            </a:extLst>
-          </p:cNvPr>
+              <a:rPr lang="zh-TW" altLang="en-US" smtClean="0"/>
+              <a:t>編輯母片文字樣式</a:t>
+            </a:r>
+          </a:p>
+        </p:txBody>
+      </p:sp>
+      <p:sp>
+        <p:nvSpPr>
+          <p:cNvPr id="6" name="Content Placeholder 5"/>
           <p:cNvSpPr>
             <a:spLocks noGrp="1"/>
           </p:cNvSpPr>
@@ -1751,8 +1546,8 @@
         </p:nvSpPr>
         <p:spPr>
           <a:xfrm>
-            <a:off x="6172200" y="2505075"/>
-            <a:ext cx="5183188" cy="3684588"/>
+            <a:off x="4629150" y="2505075"/>
+            <a:ext cx="3887391" cy="3684588"/>
           </a:xfrm>
         </p:spPr>
         <p:txBody>
@@ -1761,49 +1556,44 @@
           <a:p>
             <a:pPr lvl="0"/>
             <a:r>
-              <a:rPr lang="zh-TW" altLang="en-US"/>
-              <a:t>按一下以編輯母片文字樣式</a:t>
+              <a:rPr lang="zh-TW" altLang="en-US" smtClean="0"/>
+              <a:t>編輯母片文字樣式</a:t>
             </a:r>
           </a:p>
           <a:p>
             <a:pPr lvl="1"/>
             <a:r>
-              <a:rPr lang="zh-TW" altLang="en-US"/>
+              <a:rPr lang="zh-TW" altLang="en-US" smtClean="0"/>
               <a:t>第二層</a:t>
             </a:r>
           </a:p>
           <a:p>
             <a:pPr lvl="2"/>
             <a:r>
-              <a:rPr lang="zh-TW" altLang="en-US"/>
+              <a:rPr lang="zh-TW" altLang="en-US" smtClean="0"/>
               <a:t>第三層</a:t>
             </a:r>
           </a:p>
           <a:p>
             <a:pPr lvl="3"/>
             <a:r>
-              <a:rPr lang="zh-TW" altLang="en-US"/>
+              <a:rPr lang="zh-TW" altLang="en-US" smtClean="0"/>
               <a:t>第四層</a:t>
             </a:r>
           </a:p>
           <a:p>
             <a:pPr lvl="4"/>
             <a:r>
-              <a:rPr lang="zh-TW" altLang="en-US"/>
+              <a:rPr lang="zh-TW" altLang="en-US" smtClean="0"/>
               <a:t>第五層</a:t>
             </a:r>
-          </a:p>
-        </p:txBody>
-      </p:sp>
-      <p:sp>
-        <p:nvSpPr>
-          <p:cNvPr id="7" name="日期版面配置區 6">
-            <a:extLst>
-              <a:ext uri="{FF2B5EF4-FFF2-40B4-BE49-F238E27FC236}">
-                <a16:creationId xmlns:a16="http://schemas.microsoft.com/office/drawing/2014/main" id="{A04A2FA5-EBE7-49B8-B08D-40F4C04242EF}"/>
-              </a:ext>
-            </a:extLst>
-          </p:cNvPr>
+            <a:endParaRPr lang="en-US" dirty="0"/>
+          </a:p>
+        </p:txBody>
+      </p:sp>
+      <p:sp>
+        <p:nvSpPr>
+          <p:cNvPr id="7" name="Date Placeholder 6"/>
           <p:cNvSpPr>
             <a:spLocks noGrp="1"/>
           </p:cNvSpPr>
@@ -1818,7 +1608,7 @@
           <a:p>
             <a:fld id="{62D93BA6-A86C-442C-8F92-D217A208363D}" type="datetimeFigureOut">
               <a:rPr lang="zh-TW" altLang="en-US" smtClean="0"/>
-              <a:t>2025/7/7</a:t>
+              <a:t>2025/7/8</a:t>
             </a:fld>
             <a:endParaRPr lang="zh-TW" altLang="en-US"/>
           </a:p>
@@ -1826,13 +1616,7 @@
       </p:sp>
       <p:sp>
         <p:nvSpPr>
-          <p:cNvPr id="8" name="頁尾版面配置區 7">
-            <a:extLst>
-              <a:ext uri="{FF2B5EF4-FFF2-40B4-BE49-F238E27FC236}">
-                <a16:creationId xmlns:a16="http://schemas.microsoft.com/office/drawing/2014/main" id="{26BB7F31-4DE3-4805-98BC-11A8649EB89F}"/>
-              </a:ext>
-            </a:extLst>
-          </p:cNvPr>
+          <p:cNvPr id="8" name="Footer Placeholder 7"/>
           <p:cNvSpPr>
             <a:spLocks noGrp="1"/>
           </p:cNvSpPr>
@@ -1851,13 +1635,7 @@
       </p:sp>
       <p:sp>
         <p:nvSpPr>
-          <p:cNvPr id="9" name="投影片編號版面配置區 8">
-            <a:extLst>
-              <a:ext uri="{FF2B5EF4-FFF2-40B4-BE49-F238E27FC236}">
-                <a16:creationId xmlns:a16="http://schemas.microsoft.com/office/drawing/2014/main" id="{23398BF3-64E6-4AB0-979C-6BB48AEB431B}"/>
-              </a:ext>
-            </a:extLst>
-          </p:cNvPr>
+          <p:cNvPr id="9" name="Slide Number Placeholder 8"/>
           <p:cNvSpPr>
             <a:spLocks noGrp="1"/>
           </p:cNvSpPr>
@@ -1881,7 +1659,7 @@
     </p:spTree>
     <p:extLst>
       <p:ext uri="{BB962C8B-B14F-4D97-AF65-F5344CB8AC3E}">
-        <p14:creationId xmlns:p14="http://schemas.microsoft.com/office/powerpoint/2010/main" val="3686108799"/>
+        <p14:creationId xmlns:p14="http://schemas.microsoft.com/office/powerpoint/2010/main" val="4066214005"/>
       </p:ext>
     </p:extLst>
   </p:cSld>
@@ -1910,13 +1688,7 @@
       </p:grpSpPr>
       <p:sp>
         <p:nvSpPr>
-          <p:cNvPr id="2" name="標題 1">
-            <a:extLst>
-              <a:ext uri="{FF2B5EF4-FFF2-40B4-BE49-F238E27FC236}">
-                <a16:creationId xmlns:a16="http://schemas.microsoft.com/office/drawing/2014/main" id="{D07D8E24-0971-4228-9BBC-D5CD424BB702}"/>
-              </a:ext>
-            </a:extLst>
-          </p:cNvPr>
+          <p:cNvPr id="2" name="Title 1"/>
           <p:cNvSpPr>
             <a:spLocks noGrp="1"/>
           </p:cNvSpPr>
@@ -1930,21 +1702,16 @@
           <a:lstStyle/>
           <a:p>
             <a:r>
-              <a:rPr lang="zh-TW" altLang="en-US"/>
+              <a:rPr lang="zh-TW" altLang="en-US" smtClean="0"/>
               <a:t>按一下以編輯母片標題樣式</a:t>
             </a:r>
-          </a:p>
-        </p:txBody>
-      </p:sp>
-      <p:sp>
-        <p:nvSpPr>
-          <p:cNvPr id="3" name="日期版面配置區 2">
-            <a:extLst>
-              <a:ext uri="{FF2B5EF4-FFF2-40B4-BE49-F238E27FC236}">
-                <a16:creationId xmlns:a16="http://schemas.microsoft.com/office/drawing/2014/main" id="{B279B0D2-27AE-4970-9893-8C19C3563F08}"/>
-              </a:ext>
-            </a:extLst>
-          </p:cNvPr>
+            <a:endParaRPr lang="en-US" dirty="0"/>
+          </a:p>
+        </p:txBody>
+      </p:sp>
+      <p:sp>
+        <p:nvSpPr>
+          <p:cNvPr id="3" name="Date Placeholder 2"/>
           <p:cNvSpPr>
             <a:spLocks noGrp="1"/>
           </p:cNvSpPr>
@@ -1959,7 +1726,7 @@
           <a:p>
             <a:fld id="{62D93BA6-A86C-442C-8F92-D217A208363D}" type="datetimeFigureOut">
               <a:rPr lang="zh-TW" altLang="en-US" smtClean="0"/>
-              <a:t>2025/7/7</a:t>
+              <a:t>2025/7/8</a:t>
             </a:fld>
             <a:endParaRPr lang="zh-TW" altLang="en-US"/>
           </a:p>
@@ -1967,13 +1734,7 @@
       </p:sp>
       <p:sp>
         <p:nvSpPr>
-          <p:cNvPr id="4" name="頁尾版面配置區 3">
-            <a:extLst>
-              <a:ext uri="{FF2B5EF4-FFF2-40B4-BE49-F238E27FC236}">
-                <a16:creationId xmlns:a16="http://schemas.microsoft.com/office/drawing/2014/main" id="{20B3AD72-7DCD-46D6-89FB-4857E2F30178}"/>
-              </a:ext>
-            </a:extLst>
-          </p:cNvPr>
+          <p:cNvPr id="4" name="Footer Placeholder 3"/>
           <p:cNvSpPr>
             <a:spLocks noGrp="1"/>
           </p:cNvSpPr>
@@ -1992,13 +1753,7 @@
       </p:sp>
       <p:sp>
         <p:nvSpPr>
-          <p:cNvPr id="5" name="投影片編號版面配置區 4">
-            <a:extLst>
-              <a:ext uri="{FF2B5EF4-FFF2-40B4-BE49-F238E27FC236}">
-                <a16:creationId xmlns:a16="http://schemas.microsoft.com/office/drawing/2014/main" id="{41F1D337-2EDC-4280-98D8-D369A0751A80}"/>
-              </a:ext>
-            </a:extLst>
-          </p:cNvPr>
+          <p:cNvPr id="5" name="Slide Number Placeholder 4"/>
           <p:cNvSpPr>
             <a:spLocks noGrp="1"/>
           </p:cNvSpPr>
@@ -2022,7 +1777,7 @@
     </p:spTree>
     <p:extLst>
       <p:ext uri="{BB962C8B-B14F-4D97-AF65-F5344CB8AC3E}">
-        <p14:creationId xmlns:p14="http://schemas.microsoft.com/office/powerpoint/2010/main" val="2427682312"/>
+        <p14:creationId xmlns:p14="http://schemas.microsoft.com/office/powerpoint/2010/main" val="2637306844"/>
       </p:ext>
     </p:extLst>
   </p:cSld>
@@ -2051,13 +1806,7 @@
       </p:grpSpPr>
       <p:sp>
         <p:nvSpPr>
-          <p:cNvPr id="2" name="日期版面配置區 1">
-            <a:extLst>
-              <a:ext uri="{FF2B5EF4-FFF2-40B4-BE49-F238E27FC236}">
-                <a16:creationId xmlns:a16="http://schemas.microsoft.com/office/drawing/2014/main" id="{02CD49EC-B3ED-4CA6-8E60-9032A162D830}"/>
-              </a:ext>
-            </a:extLst>
-          </p:cNvPr>
+          <p:cNvPr id="2" name="Date Placeholder 1"/>
           <p:cNvSpPr>
             <a:spLocks noGrp="1"/>
           </p:cNvSpPr>
@@ -2072,7 +1821,7 @@
           <a:p>
             <a:fld id="{62D93BA6-A86C-442C-8F92-D217A208363D}" type="datetimeFigureOut">
               <a:rPr lang="zh-TW" altLang="en-US" smtClean="0"/>
-              <a:t>2025/7/7</a:t>
+              <a:t>2025/7/8</a:t>
             </a:fld>
             <a:endParaRPr lang="zh-TW" altLang="en-US"/>
           </a:p>
@@ -2080,13 +1829,7 @@
       </p:sp>
       <p:sp>
         <p:nvSpPr>
-          <p:cNvPr id="3" name="頁尾版面配置區 2">
-            <a:extLst>
-              <a:ext uri="{FF2B5EF4-FFF2-40B4-BE49-F238E27FC236}">
-                <a16:creationId xmlns:a16="http://schemas.microsoft.com/office/drawing/2014/main" id="{19057C0C-7F4C-4DA8-876B-77038C863038}"/>
-              </a:ext>
-            </a:extLst>
-          </p:cNvPr>
+          <p:cNvPr id="3" name="Footer Placeholder 2"/>
           <p:cNvSpPr>
             <a:spLocks noGrp="1"/>
           </p:cNvSpPr>
@@ -2105,13 +1848,7 @@
       </p:sp>
       <p:sp>
         <p:nvSpPr>
-          <p:cNvPr id="4" name="投影片編號版面配置區 3">
-            <a:extLst>
-              <a:ext uri="{FF2B5EF4-FFF2-40B4-BE49-F238E27FC236}">
-                <a16:creationId xmlns:a16="http://schemas.microsoft.com/office/drawing/2014/main" id="{2F205515-9F24-4796-90B7-10B79A19DF79}"/>
-              </a:ext>
-            </a:extLst>
-          </p:cNvPr>
+          <p:cNvPr id="4" name="Slide Number Placeholder 3"/>
           <p:cNvSpPr>
             <a:spLocks noGrp="1"/>
           </p:cNvSpPr>
@@ -2135,7 +1872,7 @@
     </p:spTree>
     <p:extLst>
       <p:ext uri="{BB962C8B-B14F-4D97-AF65-F5344CB8AC3E}">
-        <p14:creationId xmlns:p14="http://schemas.microsoft.com/office/powerpoint/2010/main" val="2289180557"/>
+        <p14:creationId xmlns:p14="http://schemas.microsoft.com/office/powerpoint/2010/main" val="714155982"/>
       </p:ext>
     </p:extLst>
   </p:cSld>
@@ -2147,7 +1884,7 @@
 
 <file path=ppt/slideLayouts/slideLayout8.xml><?xml version="1.0" encoding="utf-8"?>
 <p:sldLayout xmlns:a="http://schemas.openxmlformats.org/drawingml/2006/main" xmlns:r="http://schemas.openxmlformats.org/officeDocument/2006/relationships" xmlns:p="http://schemas.openxmlformats.org/presentationml/2006/main" type="objTx" preserve="1">
-  <p:cSld name="含輔助字幕的內容">
+  <p:cSld name="含標題的內容">
     <p:spTree>
       <p:nvGrpSpPr>
         <p:cNvPr id="1" name=""/>
@@ -2164,13 +1901,7 @@
       </p:grpSpPr>
       <p:sp>
         <p:nvSpPr>
-          <p:cNvPr id="2" name="標題 1">
-            <a:extLst>
-              <a:ext uri="{FF2B5EF4-FFF2-40B4-BE49-F238E27FC236}">
-                <a16:creationId xmlns:a16="http://schemas.microsoft.com/office/drawing/2014/main" id="{16F9297D-B7C0-4882-A0EB-E6ECF1DA655B}"/>
-              </a:ext>
-            </a:extLst>
-          </p:cNvPr>
+          <p:cNvPr id="2" name="Title 1"/>
           <p:cNvSpPr>
             <a:spLocks noGrp="1"/>
           </p:cNvSpPr>
@@ -2180,8 +1911,8 @@
         </p:nvSpPr>
         <p:spPr>
           <a:xfrm>
-            <a:off x="839788" y="457200"/>
-            <a:ext cx="3932237" cy="1600200"/>
+            <a:off x="629841" y="457200"/>
+            <a:ext cx="2949178" cy="1600200"/>
           </a:xfrm>
         </p:spPr>
         <p:txBody>
@@ -2193,21 +1924,16 @@
           </a:lstStyle>
           <a:p>
             <a:r>
-              <a:rPr lang="zh-TW" altLang="en-US"/>
+              <a:rPr lang="zh-TW" altLang="en-US" smtClean="0"/>
               <a:t>按一下以編輯母片標題樣式</a:t>
             </a:r>
-          </a:p>
-        </p:txBody>
-      </p:sp>
-      <p:sp>
-        <p:nvSpPr>
-          <p:cNvPr id="3" name="內容版面配置區 2">
-            <a:extLst>
-              <a:ext uri="{FF2B5EF4-FFF2-40B4-BE49-F238E27FC236}">
-                <a16:creationId xmlns:a16="http://schemas.microsoft.com/office/drawing/2014/main" id="{9A7AE975-ED59-4A0B-B46D-F1D14F0A15D7}"/>
-              </a:ext>
-            </a:extLst>
-          </p:cNvPr>
+            <a:endParaRPr lang="en-US" dirty="0"/>
+          </a:p>
+        </p:txBody>
+      </p:sp>
+      <p:sp>
+        <p:nvSpPr>
+          <p:cNvPr id="3" name="Content Placeholder 2"/>
           <p:cNvSpPr>
             <a:spLocks noGrp="1"/>
           </p:cNvSpPr>
@@ -2217,8 +1943,8 @@
         </p:nvSpPr>
         <p:spPr>
           <a:xfrm>
-            <a:off x="5183188" y="987425"/>
-            <a:ext cx="6172200" cy="4873625"/>
+            <a:off x="3887391" y="987426"/>
+            <a:ext cx="4629150" cy="4873625"/>
           </a:xfrm>
         </p:spPr>
         <p:txBody>
@@ -2255,49 +1981,44 @@
           <a:p>
             <a:pPr lvl="0"/>
             <a:r>
-              <a:rPr lang="zh-TW" altLang="en-US"/>
-              <a:t>按一下以編輯母片文字樣式</a:t>
+              <a:rPr lang="zh-TW" altLang="en-US" smtClean="0"/>
+              <a:t>編輯母片文字樣式</a:t>
             </a:r>
           </a:p>
           <a:p>
             <a:pPr lvl="1"/>
             <a:r>
-              <a:rPr lang="zh-TW" altLang="en-US"/>
+              <a:rPr lang="zh-TW" altLang="en-US" smtClean="0"/>
               <a:t>第二層</a:t>
             </a:r>
           </a:p>
           <a:p>
             <a:pPr lvl="2"/>
             <a:r>
-              <a:rPr lang="zh-TW" altLang="en-US"/>
+              <a:rPr lang="zh-TW" altLang="en-US" smtClean="0"/>
               <a:t>第三層</a:t>
             </a:r>
           </a:p>
           <a:p>
             <a:pPr lvl="3"/>
             <a:r>
-              <a:rPr lang="zh-TW" altLang="en-US"/>
+              <a:rPr lang="zh-TW" altLang="en-US" smtClean="0"/>
               <a:t>第四層</a:t>
             </a:r>
           </a:p>
           <a:p>
             <a:pPr lvl="4"/>
             <a:r>
-              <a:rPr lang="zh-TW" altLang="en-US"/>
+              <a:rPr lang="zh-TW" altLang="en-US" smtClean="0"/>
               <a:t>第五層</a:t>
             </a:r>
-          </a:p>
-        </p:txBody>
-      </p:sp>
-      <p:sp>
-        <p:nvSpPr>
-          <p:cNvPr id="4" name="文字版面配置區 3">
-            <a:extLst>
-              <a:ext uri="{FF2B5EF4-FFF2-40B4-BE49-F238E27FC236}">
-                <a16:creationId xmlns:a16="http://schemas.microsoft.com/office/drawing/2014/main" id="{702567BB-264F-4E7D-9254-15F3C7A2CEA0}"/>
-              </a:ext>
-            </a:extLst>
-          </p:cNvPr>
+            <a:endParaRPr lang="en-US" dirty="0"/>
+          </a:p>
+        </p:txBody>
+      </p:sp>
+      <p:sp>
+        <p:nvSpPr>
+          <p:cNvPr id="4" name="Text Placeholder 3"/>
           <p:cNvSpPr>
             <a:spLocks noGrp="1"/>
           </p:cNvSpPr>
@@ -2307,8 +2028,8 @@
         </p:nvSpPr>
         <p:spPr>
           <a:xfrm>
-            <a:off x="839788" y="2057400"/>
-            <a:ext cx="3932237" cy="3811588"/>
+            <a:off x="629841" y="2057400"/>
+            <a:ext cx="2949178" cy="3811588"/>
           </a:xfrm>
         </p:spPr>
         <p:txBody>
@@ -2354,21 +2075,15 @@
           <a:p>
             <a:pPr lvl="0"/>
             <a:r>
-              <a:rPr lang="zh-TW" altLang="en-US"/>
-              <a:t>按一下以編輯母片文字樣式</a:t>
-            </a:r>
-          </a:p>
-        </p:txBody>
-      </p:sp>
-      <p:sp>
-        <p:nvSpPr>
-          <p:cNvPr id="5" name="日期版面配置區 4">
-            <a:extLst>
-              <a:ext uri="{FF2B5EF4-FFF2-40B4-BE49-F238E27FC236}">
-                <a16:creationId xmlns:a16="http://schemas.microsoft.com/office/drawing/2014/main" id="{2370BC30-DCA0-43C5-A7E0-D7167F1DDF7F}"/>
-              </a:ext>
-            </a:extLst>
-          </p:cNvPr>
+              <a:rPr lang="zh-TW" altLang="en-US" smtClean="0"/>
+              <a:t>編輯母片文字樣式</a:t>
+            </a:r>
+          </a:p>
+        </p:txBody>
+      </p:sp>
+      <p:sp>
+        <p:nvSpPr>
+          <p:cNvPr id="5" name="Date Placeholder 4"/>
           <p:cNvSpPr>
             <a:spLocks noGrp="1"/>
           </p:cNvSpPr>
@@ -2383,7 +2098,7 @@
           <a:p>
             <a:fld id="{62D93BA6-A86C-442C-8F92-D217A208363D}" type="datetimeFigureOut">
               <a:rPr lang="zh-TW" altLang="en-US" smtClean="0"/>
-              <a:t>2025/7/7</a:t>
+              <a:t>2025/7/8</a:t>
             </a:fld>
             <a:endParaRPr lang="zh-TW" altLang="en-US"/>
           </a:p>
@@ -2391,13 +2106,7 @@
       </p:sp>
       <p:sp>
         <p:nvSpPr>
-          <p:cNvPr id="6" name="頁尾版面配置區 5">
-            <a:extLst>
-              <a:ext uri="{FF2B5EF4-FFF2-40B4-BE49-F238E27FC236}">
-                <a16:creationId xmlns:a16="http://schemas.microsoft.com/office/drawing/2014/main" id="{07E7FB78-2B71-47E3-B017-142AD2F9EE46}"/>
-              </a:ext>
-            </a:extLst>
-          </p:cNvPr>
+          <p:cNvPr id="6" name="Footer Placeholder 5"/>
           <p:cNvSpPr>
             <a:spLocks noGrp="1"/>
           </p:cNvSpPr>
@@ -2416,13 +2125,7 @@
       </p:sp>
       <p:sp>
         <p:nvSpPr>
-          <p:cNvPr id="7" name="投影片編號版面配置區 6">
-            <a:extLst>
-              <a:ext uri="{FF2B5EF4-FFF2-40B4-BE49-F238E27FC236}">
-                <a16:creationId xmlns:a16="http://schemas.microsoft.com/office/drawing/2014/main" id="{224838F0-CDB9-4D7B-9A5D-D52791BD78EA}"/>
-              </a:ext>
-            </a:extLst>
-          </p:cNvPr>
+          <p:cNvPr id="7" name="Slide Number Placeholder 6"/>
           <p:cNvSpPr>
             <a:spLocks noGrp="1"/>
           </p:cNvSpPr>
@@ -2446,7 +2149,7 @@
     </p:spTree>
     <p:extLst>
       <p:ext uri="{BB962C8B-B14F-4D97-AF65-F5344CB8AC3E}">
-        <p14:creationId xmlns:p14="http://schemas.microsoft.com/office/powerpoint/2010/main" val="4078742181"/>
+        <p14:creationId xmlns:p14="http://schemas.microsoft.com/office/powerpoint/2010/main" val="3073488757"/>
       </p:ext>
     </p:extLst>
   </p:cSld>
@@ -2458,7 +2161,7 @@
 
 <file path=ppt/slideLayouts/slideLayout9.xml><?xml version="1.0" encoding="utf-8"?>
 <p:sldLayout xmlns:a="http://schemas.openxmlformats.org/drawingml/2006/main" xmlns:r="http://schemas.openxmlformats.org/officeDocument/2006/relationships" xmlns:p="http://schemas.openxmlformats.org/presentationml/2006/main" type="picTx" preserve="1">
-  <p:cSld name="含輔助字幕的圖片">
+  <p:cSld name="含標題的圖片">
     <p:spTree>
       <p:nvGrpSpPr>
         <p:cNvPr id="1" name=""/>
@@ -2475,13 +2178,7 @@
       </p:grpSpPr>
       <p:sp>
         <p:nvSpPr>
-          <p:cNvPr id="2" name="標題 1">
-            <a:extLst>
-              <a:ext uri="{FF2B5EF4-FFF2-40B4-BE49-F238E27FC236}">
-                <a16:creationId xmlns:a16="http://schemas.microsoft.com/office/drawing/2014/main" id="{03F326C5-BDAC-495B-8881-4DBA3402E52C}"/>
-              </a:ext>
-            </a:extLst>
-          </p:cNvPr>
+          <p:cNvPr id="2" name="Title 1"/>
           <p:cNvSpPr>
             <a:spLocks noGrp="1"/>
           </p:cNvSpPr>
@@ -2491,8 +2188,8 @@
         </p:nvSpPr>
         <p:spPr>
           <a:xfrm>
-            <a:off x="839788" y="457200"/>
-            <a:ext cx="3932237" cy="1600200"/>
+            <a:off x="629841" y="457200"/>
+            <a:ext cx="2949178" cy="1600200"/>
           </a:xfrm>
         </p:spPr>
         <p:txBody>
@@ -2504,23 +2201,18 @@
           </a:lstStyle>
           <a:p>
             <a:r>
-              <a:rPr lang="zh-TW" altLang="en-US"/>
+              <a:rPr lang="zh-TW" altLang="en-US" smtClean="0"/>
               <a:t>按一下以編輯母片標題樣式</a:t>
             </a:r>
-          </a:p>
-        </p:txBody>
-      </p:sp>
-      <p:sp>
-        <p:nvSpPr>
-          <p:cNvPr id="3" name="圖片版面配置區 2">
-            <a:extLst>
-              <a:ext uri="{FF2B5EF4-FFF2-40B4-BE49-F238E27FC236}">
-                <a16:creationId xmlns:a16="http://schemas.microsoft.com/office/drawing/2014/main" id="{32E1B411-13BB-4865-8C02-8AE366DF509B}"/>
-              </a:ext>
-            </a:extLst>
-          </p:cNvPr>
-          <p:cNvSpPr>
-            <a:spLocks noGrp="1"/>
+            <a:endParaRPr lang="en-US" dirty="0"/>
+          </a:p>
+        </p:txBody>
+      </p:sp>
+      <p:sp>
+        <p:nvSpPr>
+          <p:cNvPr id="3" name="Picture Placeholder 2"/>
+          <p:cNvSpPr>
+            <a:spLocks noGrp="1" noChangeAspect="1"/>
           </p:cNvSpPr>
           <p:nvPr>
             <p:ph type="pic" idx="1"/>
@@ -2528,12 +2220,12 @@
         </p:nvSpPr>
         <p:spPr>
           <a:xfrm>
-            <a:off x="5183188" y="987425"/>
-            <a:ext cx="6172200" cy="4873625"/>
+            <a:off x="3887391" y="987426"/>
+            <a:ext cx="4629150" cy="4873625"/>
           </a:xfrm>
         </p:spPr>
         <p:txBody>
-          <a:bodyPr/>
+          <a:bodyPr anchor="t"/>
           <a:lstStyle>
             <a:lvl1pPr marL="0" indent="0">
               <a:buNone/>
@@ -2573,19 +2265,17 @@
             </a:lvl9pPr>
           </a:lstStyle>
           <a:p>
-            <a:endParaRPr lang="zh-TW" altLang="en-US"/>
-          </a:p>
-        </p:txBody>
-      </p:sp>
-      <p:sp>
-        <p:nvSpPr>
-          <p:cNvPr id="4" name="文字版面配置區 3">
-            <a:extLst>
-              <a:ext uri="{FF2B5EF4-FFF2-40B4-BE49-F238E27FC236}">
-                <a16:creationId xmlns:a16="http://schemas.microsoft.com/office/drawing/2014/main" id="{E9663B42-88FA-49EC-986F-0875E1EA9855}"/>
-              </a:ext>
-            </a:extLst>
-          </p:cNvPr>
+            <a:r>
+              <a:rPr lang="zh-TW" altLang="en-US" smtClean="0"/>
+              <a:t>按一下圖示以新增圖片</a:t>
+            </a:r>
+            <a:endParaRPr lang="en-US" dirty="0"/>
+          </a:p>
+        </p:txBody>
+      </p:sp>
+      <p:sp>
+        <p:nvSpPr>
+          <p:cNvPr id="4" name="Text Placeholder 3"/>
           <p:cNvSpPr>
             <a:spLocks noGrp="1"/>
           </p:cNvSpPr>
@@ -2595,8 +2285,8 @@
         </p:nvSpPr>
         <p:spPr>
           <a:xfrm>
-            <a:off x="839788" y="2057400"/>
-            <a:ext cx="3932237" cy="3811588"/>
+            <a:off x="629841" y="2057400"/>
+            <a:ext cx="2949178" cy="3811588"/>
           </a:xfrm>
         </p:spPr>
         <p:txBody>
@@ -2642,21 +2332,15 @@
           <a:p>
             <a:pPr lvl="0"/>
             <a:r>
-              <a:rPr lang="zh-TW" altLang="en-US"/>
-              <a:t>按一下以編輯母片文字樣式</a:t>
-            </a:r>
-          </a:p>
-        </p:txBody>
-      </p:sp>
-      <p:sp>
-        <p:nvSpPr>
-          <p:cNvPr id="5" name="日期版面配置區 4">
-            <a:extLst>
-              <a:ext uri="{FF2B5EF4-FFF2-40B4-BE49-F238E27FC236}">
-                <a16:creationId xmlns:a16="http://schemas.microsoft.com/office/drawing/2014/main" id="{9AB1CDE6-2A10-49E5-9AF5-F0260294B3A1}"/>
-              </a:ext>
-            </a:extLst>
-          </p:cNvPr>
+              <a:rPr lang="zh-TW" altLang="en-US" smtClean="0"/>
+              <a:t>編輯母片文字樣式</a:t>
+            </a:r>
+          </a:p>
+        </p:txBody>
+      </p:sp>
+      <p:sp>
+        <p:nvSpPr>
+          <p:cNvPr id="5" name="Date Placeholder 4"/>
           <p:cNvSpPr>
             <a:spLocks noGrp="1"/>
           </p:cNvSpPr>
@@ -2671,7 +2355,7 @@
           <a:p>
             <a:fld id="{62D93BA6-A86C-442C-8F92-D217A208363D}" type="datetimeFigureOut">
               <a:rPr lang="zh-TW" altLang="en-US" smtClean="0"/>
-              <a:t>2025/7/7</a:t>
+              <a:t>2025/7/8</a:t>
             </a:fld>
             <a:endParaRPr lang="zh-TW" altLang="en-US"/>
           </a:p>
@@ -2679,13 +2363,7 @@
       </p:sp>
       <p:sp>
         <p:nvSpPr>
-          <p:cNvPr id="6" name="頁尾版面配置區 5">
-            <a:extLst>
-              <a:ext uri="{FF2B5EF4-FFF2-40B4-BE49-F238E27FC236}">
-                <a16:creationId xmlns:a16="http://schemas.microsoft.com/office/drawing/2014/main" id="{77FF4116-CEF7-4370-ADA7-E928C8FA94A4}"/>
-              </a:ext>
-            </a:extLst>
-          </p:cNvPr>
+          <p:cNvPr id="6" name="Footer Placeholder 5"/>
           <p:cNvSpPr>
             <a:spLocks noGrp="1"/>
           </p:cNvSpPr>
@@ -2704,13 +2382,7 @@
       </p:sp>
       <p:sp>
         <p:nvSpPr>
-          <p:cNvPr id="7" name="投影片編號版面配置區 6">
-            <a:extLst>
-              <a:ext uri="{FF2B5EF4-FFF2-40B4-BE49-F238E27FC236}">
-                <a16:creationId xmlns:a16="http://schemas.microsoft.com/office/drawing/2014/main" id="{9B6B22F0-F732-41AB-AE3B-1BC85E83FAEB}"/>
-              </a:ext>
-            </a:extLst>
-          </p:cNvPr>
+          <p:cNvPr id="7" name="Slide Number Placeholder 6"/>
           <p:cNvSpPr>
             <a:spLocks noGrp="1"/>
           </p:cNvSpPr>
@@ -2734,7 +2406,7 @@
     </p:spTree>
     <p:extLst>
       <p:ext uri="{BB962C8B-B14F-4D97-AF65-F5344CB8AC3E}">
-        <p14:creationId xmlns:p14="http://schemas.microsoft.com/office/powerpoint/2010/main" val="3557412206"/>
+        <p14:creationId xmlns:p14="http://schemas.microsoft.com/office/powerpoint/2010/main" val="3335722578"/>
       </p:ext>
     </p:extLst>
   </p:cSld>
@@ -2768,13 +2440,7 @@
       </p:grpSpPr>
       <p:sp>
         <p:nvSpPr>
-          <p:cNvPr id="2" name="標題版面配置區 1">
-            <a:extLst>
-              <a:ext uri="{FF2B5EF4-FFF2-40B4-BE49-F238E27FC236}">
-                <a16:creationId xmlns:a16="http://schemas.microsoft.com/office/drawing/2014/main" id="{184ED91D-65DA-470A-88F6-1F70319E826A}"/>
-              </a:ext>
-            </a:extLst>
-          </p:cNvPr>
+          <p:cNvPr id="2" name="Title Placeholder 1"/>
           <p:cNvSpPr>
             <a:spLocks noGrp="1"/>
           </p:cNvSpPr>
@@ -2784,8 +2450,8 @@
         </p:nvSpPr>
         <p:spPr>
           <a:xfrm>
-            <a:off x="838200" y="365125"/>
-            <a:ext cx="10515600" cy="1325563"/>
+            <a:off x="628650" y="365126"/>
+            <a:ext cx="7886700" cy="1325563"/>
           </a:xfrm>
           <a:prstGeom prst="rect">
             <a:avLst/>
@@ -2798,21 +2464,16 @@
           <a:lstStyle/>
           <a:p>
             <a:r>
-              <a:rPr lang="zh-TW" altLang="en-US"/>
+              <a:rPr lang="zh-TW" altLang="en-US" smtClean="0"/>
               <a:t>按一下以編輯母片標題樣式</a:t>
             </a:r>
-          </a:p>
-        </p:txBody>
-      </p:sp>
-      <p:sp>
-        <p:nvSpPr>
-          <p:cNvPr id="3" name="文字版面配置區 2">
-            <a:extLst>
-              <a:ext uri="{FF2B5EF4-FFF2-40B4-BE49-F238E27FC236}">
-                <a16:creationId xmlns:a16="http://schemas.microsoft.com/office/drawing/2014/main" id="{F121184A-E879-4A2C-BDA5-FBD6145D460E}"/>
-              </a:ext>
-            </a:extLst>
-          </p:cNvPr>
+            <a:endParaRPr lang="en-US" dirty="0"/>
+          </a:p>
+        </p:txBody>
+      </p:sp>
+      <p:sp>
+        <p:nvSpPr>
+          <p:cNvPr id="3" name="Text Placeholder 2"/>
           <p:cNvSpPr>
             <a:spLocks noGrp="1"/>
           </p:cNvSpPr>
@@ -2822,8 +2483,8 @@
         </p:nvSpPr>
         <p:spPr>
           <a:xfrm>
-            <a:off x="838200" y="1825625"/>
-            <a:ext cx="10515600" cy="4351338"/>
+            <a:off x="628650" y="1825625"/>
+            <a:ext cx="7886700" cy="4351338"/>
           </a:xfrm>
           <a:prstGeom prst="rect">
             <a:avLst/>
@@ -2837,49 +2498,44 @@
           <a:p>
             <a:pPr lvl="0"/>
             <a:r>
-              <a:rPr lang="zh-TW" altLang="en-US"/>
-              <a:t>按一下以編輯母片文字樣式</a:t>
+              <a:rPr lang="zh-TW" altLang="en-US" smtClean="0"/>
+              <a:t>編輯母片文字樣式</a:t>
             </a:r>
           </a:p>
           <a:p>
             <a:pPr lvl="1"/>
             <a:r>
-              <a:rPr lang="zh-TW" altLang="en-US"/>
+              <a:rPr lang="zh-TW" altLang="en-US" smtClean="0"/>
               <a:t>第二層</a:t>
             </a:r>
           </a:p>
           <a:p>
             <a:pPr lvl="2"/>
             <a:r>
-              <a:rPr lang="zh-TW" altLang="en-US"/>
+              <a:rPr lang="zh-TW" altLang="en-US" smtClean="0"/>
               <a:t>第三層</a:t>
             </a:r>
           </a:p>
           <a:p>
             <a:pPr lvl="3"/>
             <a:r>
-              <a:rPr lang="zh-TW" altLang="en-US"/>
+              <a:rPr lang="zh-TW" altLang="en-US" smtClean="0"/>
               <a:t>第四層</a:t>
             </a:r>
           </a:p>
           <a:p>
             <a:pPr lvl="4"/>
             <a:r>
-              <a:rPr lang="zh-TW" altLang="en-US"/>
+              <a:rPr lang="zh-TW" altLang="en-US" smtClean="0"/>
               <a:t>第五層</a:t>
             </a:r>
-          </a:p>
-        </p:txBody>
-      </p:sp>
-      <p:sp>
-        <p:nvSpPr>
-          <p:cNvPr id="4" name="日期版面配置區 3">
-            <a:extLst>
-              <a:ext uri="{FF2B5EF4-FFF2-40B4-BE49-F238E27FC236}">
-                <a16:creationId xmlns:a16="http://schemas.microsoft.com/office/drawing/2014/main" id="{38E060AC-0A11-48A4-858C-62BF3A91AB18}"/>
-              </a:ext>
-            </a:extLst>
-          </p:cNvPr>
+            <a:endParaRPr lang="en-US" dirty="0"/>
+          </a:p>
+        </p:txBody>
+      </p:sp>
+      <p:sp>
+        <p:nvSpPr>
+          <p:cNvPr id="4" name="Date Placeholder 3"/>
           <p:cNvSpPr>
             <a:spLocks noGrp="1"/>
           </p:cNvSpPr>
@@ -2889,8 +2545,8 @@
         </p:nvSpPr>
         <p:spPr>
           <a:xfrm>
-            <a:off x="838200" y="6356350"/>
-            <a:ext cx="2743200" cy="365125"/>
+            <a:off x="628650" y="6356351"/>
+            <a:ext cx="2057400" cy="365125"/>
           </a:xfrm>
           <a:prstGeom prst="rect">
             <a:avLst/>
@@ -2912,7 +2568,7 @@
           <a:p>
             <a:fld id="{62D93BA6-A86C-442C-8F92-D217A208363D}" type="datetimeFigureOut">
               <a:rPr lang="zh-TW" altLang="en-US" smtClean="0"/>
-              <a:t>2025/7/7</a:t>
+              <a:t>2025/7/8</a:t>
             </a:fld>
             <a:endParaRPr lang="zh-TW" altLang="en-US"/>
           </a:p>
@@ -2920,13 +2576,7 @@
       </p:sp>
       <p:sp>
         <p:nvSpPr>
-          <p:cNvPr id="5" name="頁尾版面配置區 4">
-            <a:extLst>
-              <a:ext uri="{FF2B5EF4-FFF2-40B4-BE49-F238E27FC236}">
-                <a16:creationId xmlns:a16="http://schemas.microsoft.com/office/drawing/2014/main" id="{640D99F5-0F57-4A0A-813B-1C5D1378E2DA}"/>
-              </a:ext>
-            </a:extLst>
-          </p:cNvPr>
+          <p:cNvPr id="5" name="Footer Placeholder 4"/>
           <p:cNvSpPr>
             <a:spLocks noGrp="1"/>
           </p:cNvSpPr>
@@ -2936,8 +2586,8 @@
         </p:nvSpPr>
         <p:spPr>
           <a:xfrm>
-            <a:off x="4038600" y="6356350"/>
-            <a:ext cx="4114800" cy="365125"/>
+            <a:off x="3028950" y="6356351"/>
+            <a:ext cx="3086100" cy="365125"/>
           </a:xfrm>
           <a:prstGeom prst="rect">
             <a:avLst/>
@@ -2963,13 +2613,7 @@
       </p:sp>
       <p:sp>
         <p:nvSpPr>
-          <p:cNvPr id="6" name="投影片編號版面配置區 5">
-            <a:extLst>
-              <a:ext uri="{FF2B5EF4-FFF2-40B4-BE49-F238E27FC236}">
-                <a16:creationId xmlns:a16="http://schemas.microsoft.com/office/drawing/2014/main" id="{C20805EF-5470-45E1-9C3A-9F8C54633A3A}"/>
-              </a:ext>
-            </a:extLst>
-          </p:cNvPr>
+          <p:cNvPr id="6" name="Slide Number Placeholder 5"/>
           <p:cNvSpPr>
             <a:spLocks noGrp="1"/>
           </p:cNvSpPr>
@@ -2979,8 +2623,8 @@
         </p:nvSpPr>
         <p:spPr>
           <a:xfrm>
-            <a:off x="8610600" y="6356350"/>
-            <a:ext cx="2743200" cy="365125"/>
+            <a:off x="6457950" y="6356351"/>
+            <a:ext cx="2057400" cy="365125"/>
           </a:xfrm>
           <a:prstGeom prst="rect">
             <a:avLst/>
@@ -3011,23 +2655,23 @@
     </p:spTree>
     <p:extLst>
       <p:ext uri="{BB962C8B-B14F-4D97-AF65-F5344CB8AC3E}">
-        <p14:creationId xmlns:p14="http://schemas.microsoft.com/office/powerpoint/2010/main" val="2654649806"/>
+        <p14:creationId xmlns:p14="http://schemas.microsoft.com/office/powerpoint/2010/main" val="3670353720"/>
       </p:ext>
     </p:extLst>
   </p:cSld>
   <p:clrMap bg1="lt1" tx1="dk1" bg2="lt2" tx2="dk2" accent1="accent1" accent2="accent2" accent3="accent3" accent4="accent4" accent5="accent5" accent6="accent6" hlink="hlink" folHlink="folHlink"/>
   <p:sldLayoutIdLst>
-    <p:sldLayoutId id="2147483649" r:id="rId1"/>
-    <p:sldLayoutId id="2147483650" r:id="rId2"/>
-    <p:sldLayoutId id="2147483651" r:id="rId3"/>
-    <p:sldLayoutId id="2147483652" r:id="rId4"/>
-    <p:sldLayoutId id="2147483653" r:id="rId5"/>
-    <p:sldLayoutId id="2147483654" r:id="rId6"/>
-    <p:sldLayoutId id="2147483655" r:id="rId7"/>
-    <p:sldLayoutId id="2147483656" r:id="rId8"/>
-    <p:sldLayoutId id="2147483657" r:id="rId9"/>
-    <p:sldLayoutId id="2147483658" r:id="rId10"/>
-    <p:sldLayoutId id="2147483659" r:id="rId11"/>
+    <p:sldLayoutId id="2147483661" r:id="rId1"/>
+    <p:sldLayoutId id="2147483662" r:id="rId2"/>
+    <p:sldLayoutId id="2147483663" r:id="rId3"/>
+    <p:sldLayoutId id="2147483664" r:id="rId4"/>
+    <p:sldLayoutId id="2147483665" r:id="rId5"/>
+    <p:sldLayoutId id="2147483666" r:id="rId6"/>
+    <p:sldLayoutId id="2147483667" r:id="rId7"/>
+    <p:sldLayoutId id="2147483668" r:id="rId8"/>
+    <p:sldLayoutId id="2147483669" r:id="rId9"/>
+    <p:sldLayoutId id="2147483670" r:id="rId10"/>
+    <p:sldLayoutId id="2147483671" r:id="rId11"/>
   </p:sldLayoutIdLst>
   <p:txStyles>
     <p:titleStyle>
@@ -3215,7 +2859,7 @@
     </p:bodyStyle>
     <p:otherStyle>
       <a:defPPr>
-        <a:defRPr lang="zh-TW"/>
+        <a:defRPr lang="en-US"/>
       </a:defPPr>
       <a:lvl1pPr marL="0" algn="l" defTabSz="914400" rtl="0" eaLnBrk="1" latinLnBrk="0" hangingPunct="1">
         <a:defRPr sz="1800" kern="1200">
@@ -3357,8 +3001,8 @@
         </p:blipFill>
         <p:spPr>
           <a:xfrm>
-            <a:off x="0" y="0"/>
-            <a:ext cx="5284902" cy="6858000"/>
+            <a:off x="224227" y="1064052"/>
+            <a:ext cx="3963677" cy="5143500"/>
           </a:xfrm>
           <a:prstGeom prst="rect">
             <a:avLst/>
@@ -3393,8 +3037,8 @@
         </p:blipFill>
         <p:spPr>
           <a:xfrm>
-            <a:off x="6907100" y="0"/>
-            <a:ext cx="5284902" cy="6858000"/>
+            <a:off x="4776967" y="1023281"/>
+            <a:ext cx="3963677" cy="5143500"/>
           </a:xfrm>
           <a:prstGeom prst="rect">
             <a:avLst/>
@@ -3415,8 +3059,8 @@
         </p:nvSpPr>
         <p:spPr>
           <a:xfrm>
-            <a:off x="-177752" y="202130"/>
-            <a:ext cx="2820203" cy="769441"/>
+            <a:off x="1376820" y="493313"/>
+            <a:ext cx="2115152" cy="830997"/>
           </a:xfrm>
           <a:prstGeom prst="rect">
             <a:avLst/>
@@ -3431,9 +3075,9 @@
           <a:p>
             <a:pPr algn="ctr"/>
             <a:r>
-              <a:rPr lang="zh-TW" altLang="en-US" sz="4400" dirty="0">
-                <a:latin typeface="標楷體" panose="03000509000000000000" pitchFamily="65" charset="-120"/>
-                <a:ea typeface="標楷體" panose="03000509000000000000" pitchFamily="65" charset="-120"/>
+              <a:rPr lang="zh-TW" altLang="en-US" sz="4800" b="1" dirty="0">
+                <a:latin typeface="微軟正黑體" panose="020B0604030504040204" pitchFamily="34" charset="-120"/>
+                <a:ea typeface="微軟正黑體" panose="020B0604030504040204" pitchFamily="34" charset="-120"/>
               </a:rPr>
               <a:t>原圖</a:t>
             </a:r>
@@ -3454,8 +3098,8 @@
         </p:nvSpPr>
         <p:spPr>
           <a:xfrm>
-            <a:off x="6096000" y="202130"/>
-            <a:ext cx="2820203" cy="769441"/>
+            <a:off x="5701230" y="493313"/>
+            <a:ext cx="2115152" cy="830997"/>
           </a:xfrm>
           <a:prstGeom prst="rect">
             <a:avLst/>
@@ -3470,9 +3114,9 @@
           <a:p>
             <a:pPr algn="ctr"/>
             <a:r>
-              <a:rPr lang="zh-TW" altLang="en-US" sz="4400" dirty="0">
-                <a:latin typeface="標楷體" panose="03000509000000000000" pitchFamily="65" charset="-120"/>
-                <a:ea typeface="標楷體" panose="03000509000000000000" pitchFamily="65" charset="-120"/>
+              <a:rPr lang="zh-TW" altLang="en-US" sz="4800" b="1" dirty="0">
+                <a:latin typeface="微軟正黑體" panose="020B0604030504040204" pitchFamily="34" charset="-120"/>
+                <a:ea typeface="微軟正黑體" panose="020B0604030504040204" pitchFamily="34" charset="-120"/>
               </a:rPr>
               <a:t>輪廓圖</a:t>
             </a:r>
@@ -3493,8 +3137,8 @@
         </p:nvSpPr>
         <p:spPr>
           <a:xfrm>
-            <a:off x="4650133" y="2367171"/>
-            <a:ext cx="3518911" cy="1446550"/>
+            <a:off x="7197220" y="5496420"/>
+            <a:ext cx="1882125" cy="1200329"/>
           </a:xfrm>
           <a:prstGeom prst="rect">
             <a:avLst/>
@@ -3509,40 +3153,70 @@
           <a:p>
             <a:pPr algn="ctr"/>
             <a:r>
-              <a:rPr lang="en-US" altLang="zh-TW" sz="4400" dirty="0">
-                <a:latin typeface="標楷體" panose="03000509000000000000" pitchFamily="65" charset="-120"/>
-                <a:ea typeface="標楷體" panose="03000509000000000000" pitchFamily="65" charset="-120"/>
+              <a:rPr lang="en-US" altLang="zh-TW" sz="3600" b="1" dirty="0">
+                <a:latin typeface="微軟正黑體" panose="020B0604030504040204" pitchFamily="34" charset="-120"/>
+                <a:ea typeface="微軟正黑體" panose="020B0604030504040204" pitchFamily="34" charset="-120"/>
               </a:rPr>
               <a:t>PNG</a:t>
             </a:r>
             <a:r>
-              <a:rPr lang="zh-TW" altLang="en-US" sz="4400" dirty="0">
-                <a:latin typeface="標楷體" panose="03000509000000000000" pitchFamily="65" charset="-120"/>
-                <a:ea typeface="標楷體" panose="03000509000000000000" pitchFamily="65" charset="-120"/>
+              <a:rPr lang="zh-TW" altLang="en-US" sz="3600" b="1" dirty="0">
+                <a:latin typeface="微軟正黑體" panose="020B0604030504040204" pitchFamily="34" charset="-120"/>
+                <a:ea typeface="微軟正黑體" panose="020B0604030504040204" pitchFamily="34" charset="-120"/>
               </a:rPr>
               <a:t>檔</a:t>
             </a:r>
-            <a:endParaRPr lang="en-US" altLang="zh-TW" sz="4400" dirty="0">
-              <a:latin typeface="標楷體" panose="03000509000000000000" pitchFamily="65" charset="-120"/>
-              <a:ea typeface="標楷體" panose="03000509000000000000" pitchFamily="65" charset="-120"/>
+            <a:endParaRPr lang="en-US" altLang="zh-TW" sz="3600" b="1" dirty="0">
+              <a:latin typeface="微軟正黑體" panose="020B0604030504040204" pitchFamily="34" charset="-120"/>
+              <a:ea typeface="微軟正黑體" panose="020B0604030504040204" pitchFamily="34" charset="-120"/>
             </a:endParaRPr>
           </a:p>
           <a:p>
             <a:pPr algn="ctr"/>
             <a:r>
-              <a:rPr lang="en-US" altLang="zh-TW" sz="4400" dirty="0">
-                <a:latin typeface="標楷體" panose="03000509000000000000" pitchFamily="65" charset="-120"/>
-                <a:ea typeface="標楷體" panose="03000509000000000000" pitchFamily="65" charset="-120"/>
+              <a:rPr lang="en-US" altLang="zh-TW" sz="3600" b="1" dirty="0">
+                <a:latin typeface="微軟正黑體" panose="020B0604030504040204" pitchFamily="34" charset="-120"/>
+                <a:ea typeface="微軟正黑體" panose="020B0604030504040204" pitchFamily="34" charset="-120"/>
               </a:rPr>
               <a:t>50.7KB</a:t>
             </a:r>
-            <a:endParaRPr lang="zh-TW" altLang="en-US" sz="4400" dirty="0">
-              <a:latin typeface="標楷體" panose="03000509000000000000" pitchFamily="65" charset="-120"/>
-              <a:ea typeface="標楷體" panose="03000509000000000000" pitchFamily="65" charset="-120"/>
+            <a:endParaRPr lang="zh-TW" altLang="en-US" sz="3600" b="1" dirty="0">
+              <a:latin typeface="微軟正黑體" panose="020B0604030504040204" pitchFamily="34" charset="-120"/>
+              <a:ea typeface="微軟正黑體" panose="020B0604030504040204" pitchFamily="34" charset="-120"/>
             </a:endParaRPr>
           </a:p>
         </p:txBody>
       </p:sp>
+      <p:cxnSp>
+        <p:nvCxnSpPr>
+          <p:cNvPr id="3" name="直線接點 2"/>
+          <p:cNvCxnSpPr/>
+          <p:nvPr/>
+        </p:nvCxnSpPr>
+        <p:spPr>
+          <a:xfrm>
+            <a:off x="4572000" y="493313"/>
+            <a:ext cx="0" cy="5714239"/>
+          </a:xfrm>
+          <a:prstGeom prst="line">
+            <a:avLst/>
+          </a:prstGeom>
+        </p:spPr>
+        <p:style>
+          <a:lnRef idx="1">
+            <a:schemeClr val="accent1"/>
+          </a:lnRef>
+          <a:fillRef idx="0">
+            <a:schemeClr val="accent1"/>
+          </a:fillRef>
+          <a:effectRef idx="0">
+            <a:schemeClr val="accent1"/>
+          </a:effectRef>
+          <a:fontRef idx="minor">
+            <a:schemeClr val="tx1"/>
+          </a:fontRef>
+        </p:style>
+      </p:cxnSp>
     </p:spTree>
     <p:extLst>
       <p:ext uri="{BB962C8B-B14F-4D97-AF65-F5344CB8AC3E}">
@@ -3575,10 +3249,10 @@
       </p:grpSpPr>
       <p:pic>
         <p:nvPicPr>
-          <p:cNvPr id="5" name="圖片 4">
+          <p:cNvPr id="15" name="圖片 14">
             <a:extLst>
               <a:ext uri="{FF2B5EF4-FFF2-40B4-BE49-F238E27FC236}">
-                <a16:creationId xmlns:a16="http://schemas.microsoft.com/office/drawing/2014/main" id="{F89CC217-4A99-453C-9225-790EE8FDDE9B}"/>
+                <a16:creationId xmlns:a16="http://schemas.microsoft.com/office/drawing/2014/main" id="{86622268-7E68-4C4F-AF25-B8B17B86D7F7}"/>
               </a:ext>
             </a:extLst>
           </p:cNvPr>
@@ -3601,56 +3275,20 @@
         </p:blipFill>
         <p:spPr>
           <a:xfrm>
-            <a:off x="6907098" y="0"/>
-            <a:ext cx="5284902" cy="6858000"/>
+            <a:off x="2298578" y="1180523"/>
+            <a:ext cx="3963677" cy="5143500"/>
           </a:xfrm>
           <a:prstGeom prst="rect">
             <a:avLst/>
           </a:prstGeom>
         </p:spPr>
       </p:pic>
-      <p:pic>
-        <p:nvPicPr>
-          <p:cNvPr id="7" name="圖片 6">
+      <p:sp>
+        <p:nvSpPr>
+          <p:cNvPr id="10" name="文字方塊 9">
             <a:extLst>
               <a:ext uri="{FF2B5EF4-FFF2-40B4-BE49-F238E27FC236}">
-                <a16:creationId xmlns:a16="http://schemas.microsoft.com/office/drawing/2014/main" id="{049BB439-53DA-43E2-9E9D-B30E80255DB3}"/>
-              </a:ext>
-            </a:extLst>
-          </p:cNvPr>
-          <p:cNvPicPr>
-            <a:picLocks noChangeAspect="1"/>
-          </p:cNvPicPr>
-          <p:nvPr/>
-        </p:nvPicPr>
-        <p:blipFill>
-          <a:blip r:embed="rId3">
-            <a:extLst>
-              <a:ext uri="{28A0092B-C50C-407E-A947-70E740481C1C}">
-                <a14:useLocalDpi xmlns:a14="http://schemas.microsoft.com/office/drawing/2010/main" val="0"/>
-              </a:ext>
-            </a:extLst>
-          </a:blip>
-          <a:stretch>
-            <a:fillRect/>
-          </a:stretch>
-        </p:blipFill>
-        <p:spPr>
-          <a:xfrm>
-            <a:off x="1" y="0"/>
-            <a:ext cx="5284902" cy="6858000"/>
-          </a:xfrm>
-          <a:prstGeom prst="rect">
-            <a:avLst/>
-          </a:prstGeom>
-        </p:spPr>
-      </p:pic>
-      <p:sp>
-        <p:nvSpPr>
-          <p:cNvPr id="8" name="文字方塊 7">
-            <a:extLst>
-              <a:ext uri="{FF2B5EF4-FFF2-40B4-BE49-F238E27FC236}">
-                <a16:creationId xmlns:a16="http://schemas.microsoft.com/office/drawing/2014/main" id="{CC34BC4B-73EC-42E6-80AE-4F9B5439AF0C}"/>
+                <a16:creationId xmlns:a16="http://schemas.microsoft.com/office/drawing/2014/main" id="{43C11AF0-EB91-4AA0-BFCA-BA77C613DDA5}"/>
               </a:ext>
             </a:extLst>
           </p:cNvPr>
@@ -3659,8 +3297,8 @@
         </p:nvSpPr>
         <p:spPr>
           <a:xfrm>
-            <a:off x="0" y="0"/>
-            <a:ext cx="2820203" cy="769441"/>
+            <a:off x="6391564" y="4643541"/>
+            <a:ext cx="2639183" cy="1938992"/>
           </a:xfrm>
           <a:prstGeom prst="rect">
             <a:avLst/>
@@ -3674,126 +3312,59 @@
           <a:lstStyle/>
           <a:p>
             <a:r>
-              <a:rPr lang="en-US" altLang="zh-TW" sz="4400" dirty="0">
-                <a:latin typeface="標楷體" panose="03000509000000000000" pitchFamily="65" charset="-120"/>
-                <a:ea typeface="標楷體" panose="03000509000000000000" pitchFamily="65" charset="-120"/>
+              <a:rPr lang="en-US" altLang="zh-TW" sz="4000" b="1" dirty="0" smtClean="0">
+                <a:latin typeface="微軟正黑體" panose="020B0604030504040204" pitchFamily="34" charset="-120"/>
+                <a:ea typeface="微軟正黑體" panose="020B0604030504040204" pitchFamily="34" charset="-120"/>
               </a:rPr>
-              <a:t>SVCFP+GA</a:t>
-            </a:r>
-            <a:endParaRPr lang="zh-TW" altLang="en-US" sz="4400" dirty="0">
-              <a:latin typeface="標楷體" panose="03000509000000000000" pitchFamily="65" charset="-120"/>
-              <a:ea typeface="標楷體" panose="03000509000000000000" pitchFamily="65" charset="-120"/>
-            </a:endParaRPr>
-          </a:p>
-        </p:txBody>
-      </p:sp>
-      <p:sp>
-        <p:nvSpPr>
-          <p:cNvPr id="9" name="文字方塊 8">
-            <a:extLst>
-              <a:ext uri="{FF2B5EF4-FFF2-40B4-BE49-F238E27FC236}">
-                <a16:creationId xmlns:a16="http://schemas.microsoft.com/office/drawing/2014/main" id="{5111602A-E9A0-4CC3-861E-B544CEDD8676}"/>
-              </a:ext>
-            </a:extLst>
-          </p:cNvPr>
-          <p:cNvSpPr txBox="1"/>
-          <p:nvPr/>
-        </p:nvSpPr>
-        <p:spPr>
-          <a:xfrm>
-            <a:off x="4650133" y="2367171"/>
-            <a:ext cx="2922555" cy="2123658"/>
-          </a:xfrm>
-          <a:prstGeom prst="rect">
-            <a:avLst/>
-          </a:prstGeom>
-          <a:noFill/>
-        </p:spPr>
-        <p:txBody>
-          <a:bodyPr wrap="square" rtlCol="0">
-            <a:spAutoFit/>
-          </a:bodyPr>
-          <a:lstStyle/>
-          <a:p>
-            <a:pPr algn="ctr"/>
-            <a:r>
-              <a:rPr lang="en-US" altLang="zh-TW" sz="4400" dirty="0">
-                <a:latin typeface="標楷體" panose="03000509000000000000" pitchFamily="65" charset="-120"/>
-                <a:ea typeface="標楷體" panose="03000509000000000000" pitchFamily="65" charset="-120"/>
-              </a:rPr>
-              <a:t>BMND=74.5</a:t>
-            </a:r>
-          </a:p>
-          <a:p>
-            <a:pPr algn="ctr"/>
-            <a:r>
-              <a:rPr lang="en-US" altLang="zh-TW" sz="4400" dirty="0">
-                <a:latin typeface="標楷體" panose="03000509000000000000" pitchFamily="65" charset="-120"/>
-                <a:ea typeface="標楷體" panose="03000509000000000000" pitchFamily="65" charset="-120"/>
-              </a:rPr>
-              <a:t>413</a:t>
-            </a:r>
-            <a:r>
-              <a:rPr lang="zh-TW" altLang="en-US" sz="4400" dirty="0">
-                <a:latin typeface="標楷體" panose="03000509000000000000" pitchFamily="65" charset="-120"/>
-                <a:ea typeface="標楷體" panose="03000509000000000000" pitchFamily="65" charset="-120"/>
+              <a:t>1682</a:t>
+            </a:r>
+            <a:r>
+              <a:rPr lang="zh-TW" altLang="en-US" sz="4000" b="1" dirty="0">
+                <a:latin typeface="微軟正黑體" panose="020B0604030504040204" pitchFamily="34" charset="-120"/>
+                <a:ea typeface="微軟正黑體" panose="020B0604030504040204" pitchFamily="34" charset="-120"/>
               </a:rPr>
               <a:t>個點</a:t>
             </a:r>
-            <a:endParaRPr lang="en-US" altLang="zh-TW" sz="4400" dirty="0">
-              <a:latin typeface="標楷體" panose="03000509000000000000" pitchFamily="65" charset="-120"/>
-              <a:ea typeface="標楷體" panose="03000509000000000000" pitchFamily="65" charset="-120"/>
+            <a:endParaRPr lang="en-US" altLang="zh-TW" sz="4000" b="1" dirty="0">
+              <a:latin typeface="微軟正黑體" panose="020B0604030504040204" pitchFamily="34" charset="-120"/>
+              <a:ea typeface="微軟正黑體" panose="020B0604030504040204" pitchFamily="34" charset="-120"/>
             </a:endParaRPr>
           </a:p>
           <a:p>
-            <a:pPr algn="ctr"/>
-            <a:r>
-              <a:rPr lang="en-US" altLang="zh-TW" sz="4400" dirty="0">
-                <a:latin typeface="標楷體" panose="03000509000000000000" pitchFamily="65" charset="-120"/>
-                <a:ea typeface="標楷體" panose="03000509000000000000" pitchFamily="65" charset="-120"/>
+            <a:r>
+              <a:rPr lang="en-US" altLang="zh-TW" sz="4000" b="1" dirty="0" smtClean="0">
+                <a:latin typeface="微軟正黑體" panose="020B0604030504040204" pitchFamily="34" charset="-120"/>
+                <a:ea typeface="微軟正黑體" panose="020B0604030504040204" pitchFamily="34" charset="-120"/>
               </a:rPr>
-              <a:t>1154.6</a:t>
-            </a:r>
-            <a:r>
-              <a:rPr lang="zh-TW" altLang="en-US" sz="4400" dirty="0">
-                <a:latin typeface="標楷體" panose="03000509000000000000" pitchFamily="65" charset="-120"/>
-                <a:ea typeface="標楷體" panose="03000509000000000000" pitchFamily="65" charset="-120"/>
+              <a:t>SVG</a:t>
+            </a:r>
+            <a:r>
+              <a:rPr lang="zh-TW" altLang="en-US" sz="4000" b="1" dirty="0">
+                <a:latin typeface="微軟正黑體" panose="020B0604030504040204" pitchFamily="34" charset="-120"/>
+                <a:ea typeface="微軟正黑體" panose="020B0604030504040204" pitchFamily="34" charset="-120"/>
               </a:rPr>
-              <a:t>秒</a:t>
-            </a:r>
-          </a:p>
-        </p:txBody>
-      </p:sp>
-    </p:spTree>
-    <p:extLst>
-      <p:ext uri="{BB962C8B-B14F-4D97-AF65-F5344CB8AC3E}">
-        <p14:creationId xmlns:p14="http://schemas.microsoft.com/office/powerpoint/2010/main" val="811503490"/>
-      </p:ext>
-    </p:extLst>
-  </p:cSld>
-  <p:clrMapOvr>
-    <a:masterClrMapping/>
-  </p:clrMapOvr>
-</p:sld>
-</file>
-
-<file path=ppt/slides/slide3.xml><?xml version="1.0" encoding="utf-8"?>
-<p:sld xmlns:a="http://schemas.openxmlformats.org/drawingml/2006/main" xmlns:r="http://schemas.openxmlformats.org/officeDocument/2006/relationships" xmlns:p="http://schemas.openxmlformats.org/presentationml/2006/main">
-  <p:cSld>
-    <p:spTree>
-      <p:nvGrpSpPr>
-        <p:cNvPr id="1" name=""/>
-        <p:cNvGrpSpPr/>
-        <p:nvPr/>
-      </p:nvGrpSpPr>
-      <p:grpSpPr>
-        <a:xfrm>
-          <a:off x="0" y="0"/>
-          <a:ext cx="0" cy="0"/>
-          <a:chOff x="0" y="0"/>
-          <a:chExt cx="0" cy="0"/>
-        </a:xfrm>
-      </p:grpSpPr>
+              <a:t>檔</a:t>
+            </a:r>
+            <a:endParaRPr lang="en-US" altLang="zh-TW" sz="4000" b="1" dirty="0">
+              <a:latin typeface="微軟正黑體" panose="020B0604030504040204" pitchFamily="34" charset="-120"/>
+              <a:ea typeface="微軟正黑體" panose="020B0604030504040204" pitchFamily="34" charset="-120"/>
+            </a:endParaRPr>
+          </a:p>
+          <a:p>
+            <a:r>
+              <a:rPr lang="en-US" altLang="zh-TW" sz="4000" b="1" dirty="0">
+                <a:latin typeface="微軟正黑體" panose="020B0604030504040204" pitchFamily="34" charset="-120"/>
+                <a:ea typeface="微軟正黑體" panose="020B0604030504040204" pitchFamily="34" charset="-120"/>
+              </a:rPr>
+              <a:t>80.4KB</a:t>
+            </a:r>
+            <a:endParaRPr lang="zh-TW" altLang="en-US" sz="4000" b="1" dirty="0">
+              <a:latin typeface="微軟正黑體" panose="020B0604030504040204" pitchFamily="34" charset="-120"/>
+              <a:ea typeface="微軟正黑體" panose="020B0604030504040204" pitchFamily="34" charset="-120"/>
+            </a:endParaRPr>
+          </a:p>
+        </p:txBody>
+      </p:sp>
       <p:sp>
         <p:nvSpPr>
           <p:cNvPr id="11" name="文字方塊 10">
@@ -3808,8 +3379,8 @@
         </p:nvSpPr>
         <p:spPr>
           <a:xfrm>
-            <a:off x="0" y="0"/>
-            <a:ext cx="2820203" cy="769441"/>
+            <a:off x="323273" y="257086"/>
+            <a:ext cx="2807853" cy="830997"/>
           </a:xfrm>
           <a:prstGeom prst="rect">
             <a:avLst/>
@@ -3823,203 +3394,21 @@
           <a:lstStyle/>
           <a:p>
             <a:r>
-              <a:rPr lang="en-US" altLang="zh-TW" sz="4400" dirty="0">
-                <a:latin typeface="標楷體" panose="03000509000000000000" pitchFamily="65" charset="-120"/>
-                <a:ea typeface="標楷體" panose="03000509000000000000" pitchFamily="65" charset="-120"/>
+              <a:rPr lang="en-US" altLang="zh-TW" sz="4800" b="1" dirty="0" err="1" smtClean="0">
+                <a:solidFill>
+                  <a:srgbClr val="0070C0"/>
+                </a:solidFill>
+                <a:latin typeface="微軟正黑體" panose="020B0604030504040204" pitchFamily="34" charset="-120"/>
+                <a:ea typeface="微軟正黑體" panose="020B0604030504040204" pitchFamily="34" charset="-120"/>
               </a:rPr>
               <a:t>Inkscape</a:t>
             </a:r>
-            <a:endParaRPr lang="zh-TW" altLang="en-US" sz="4400" dirty="0">
-              <a:latin typeface="標楷體" panose="03000509000000000000" pitchFamily="65" charset="-120"/>
-              <a:ea typeface="標楷體" panose="03000509000000000000" pitchFamily="65" charset="-120"/>
-            </a:endParaRPr>
-          </a:p>
-        </p:txBody>
-      </p:sp>
-      <p:pic>
-        <p:nvPicPr>
-          <p:cNvPr id="13" name="圖片 12">
-            <a:extLst>
-              <a:ext uri="{FF2B5EF4-FFF2-40B4-BE49-F238E27FC236}">
-                <a16:creationId xmlns:a16="http://schemas.microsoft.com/office/drawing/2014/main" id="{DE2F0E3F-35C1-4F06-999A-02AB884E7D23}"/>
-              </a:ext>
-            </a:extLst>
-          </p:cNvPr>
-          <p:cNvPicPr>
-            <a:picLocks noChangeAspect="1"/>
-          </p:cNvPicPr>
-          <p:nvPr/>
-        </p:nvPicPr>
-        <p:blipFill>
-          <a:blip r:embed="rId2">
-            <a:extLst>
-              <a:ext uri="{28A0092B-C50C-407E-A947-70E740481C1C}">
-                <a14:useLocalDpi xmlns:a14="http://schemas.microsoft.com/office/drawing/2010/main" val="0"/>
-              </a:ext>
-            </a:extLst>
-          </a:blip>
-          <a:stretch>
-            <a:fillRect/>
-          </a:stretch>
-        </p:blipFill>
-        <p:spPr>
-          <a:xfrm>
-            <a:off x="0" y="0"/>
-            <a:ext cx="5284902" cy="6858000"/>
-          </a:xfrm>
-          <a:prstGeom prst="rect">
-            <a:avLst/>
-          </a:prstGeom>
-        </p:spPr>
-      </p:pic>
-      <p:pic>
-        <p:nvPicPr>
-          <p:cNvPr id="15" name="圖片 14">
-            <a:extLst>
-              <a:ext uri="{FF2B5EF4-FFF2-40B4-BE49-F238E27FC236}">
-                <a16:creationId xmlns:a16="http://schemas.microsoft.com/office/drawing/2014/main" id="{86622268-7E68-4C4F-AF25-B8B17B86D7F7}"/>
-              </a:ext>
-            </a:extLst>
-          </p:cNvPr>
-          <p:cNvPicPr>
-            <a:picLocks noChangeAspect="1"/>
-          </p:cNvPicPr>
-          <p:nvPr/>
-        </p:nvPicPr>
-        <p:blipFill>
-          <a:blip r:embed="rId3">
-            <a:extLst>
-              <a:ext uri="{28A0092B-C50C-407E-A947-70E740481C1C}">
-                <a14:useLocalDpi xmlns:a14="http://schemas.microsoft.com/office/drawing/2010/main" val="0"/>
-              </a:ext>
-            </a:extLst>
-          </a:blip>
-          <a:stretch>
-            <a:fillRect/>
-          </a:stretch>
-        </p:blipFill>
-        <p:spPr>
-          <a:xfrm>
-            <a:off x="6907098" y="0"/>
-            <a:ext cx="5284902" cy="6858000"/>
-          </a:xfrm>
-          <a:prstGeom prst="rect">
-            <a:avLst/>
-          </a:prstGeom>
-        </p:spPr>
-      </p:pic>
-      <p:sp>
-        <p:nvSpPr>
-          <p:cNvPr id="10" name="文字方塊 9">
-            <a:extLst>
-              <a:ext uri="{FF2B5EF4-FFF2-40B4-BE49-F238E27FC236}">
-                <a16:creationId xmlns:a16="http://schemas.microsoft.com/office/drawing/2014/main" id="{43C11AF0-EB91-4AA0-BFCA-BA77C613DDA5}"/>
-              </a:ext>
-            </a:extLst>
-          </p:cNvPr>
-          <p:cNvSpPr txBox="1"/>
-          <p:nvPr/>
-        </p:nvSpPr>
-        <p:spPr>
-          <a:xfrm>
-            <a:off x="4336545" y="2349004"/>
-            <a:ext cx="3518911" cy="3477875"/>
-          </a:xfrm>
-          <a:prstGeom prst="rect">
-            <a:avLst/>
-          </a:prstGeom>
-          <a:noFill/>
-        </p:spPr>
-        <p:txBody>
-          <a:bodyPr wrap="square" rtlCol="0">
-            <a:spAutoFit/>
-          </a:bodyPr>
-          <a:lstStyle/>
-          <a:p>
-            <a:pPr algn="ctr"/>
-            <a:r>
-              <a:rPr lang="en-US" altLang="zh-TW" sz="4400" dirty="0">
-                <a:latin typeface="標楷體" panose="03000509000000000000" pitchFamily="65" charset="-120"/>
-                <a:ea typeface="標楷體" panose="03000509000000000000" pitchFamily="65" charset="-120"/>
-              </a:rPr>
-              <a:t>BMND=99.9</a:t>
-            </a:r>
-          </a:p>
-          <a:p>
-            <a:pPr algn="ctr"/>
-            <a:r>
-              <a:rPr lang="en-US" altLang="zh-TW" sz="4400" dirty="0">
-                <a:latin typeface="標楷體" panose="03000509000000000000" pitchFamily="65" charset="-120"/>
-                <a:ea typeface="標楷體" panose="03000509000000000000" pitchFamily="65" charset="-120"/>
-              </a:rPr>
-              <a:t>1682</a:t>
-            </a:r>
-            <a:r>
-              <a:rPr lang="zh-TW" altLang="en-US" sz="4400" dirty="0">
-                <a:latin typeface="標楷體" panose="03000509000000000000" pitchFamily="65" charset="-120"/>
-                <a:ea typeface="標楷體" panose="03000509000000000000" pitchFamily="65" charset="-120"/>
-              </a:rPr>
-              <a:t>個點</a:t>
-            </a:r>
-            <a:endParaRPr lang="en-US" altLang="zh-TW" sz="4400" dirty="0">
-              <a:latin typeface="標楷體" panose="03000509000000000000" pitchFamily="65" charset="-120"/>
-              <a:ea typeface="標楷體" panose="03000509000000000000" pitchFamily="65" charset="-120"/>
-            </a:endParaRPr>
-          </a:p>
-          <a:p>
-            <a:pPr algn="ctr"/>
-            <a:r>
-              <a:rPr lang="en-US" altLang="zh-TW" sz="4400" dirty="0">
-                <a:latin typeface="標楷體" panose="03000509000000000000" pitchFamily="65" charset="-120"/>
-                <a:ea typeface="標楷體" panose="03000509000000000000" pitchFamily="65" charset="-120"/>
-              </a:rPr>
-              <a:t>&gt;0.01</a:t>
-            </a:r>
-            <a:r>
-              <a:rPr lang="zh-TW" altLang="en-US" sz="4400" dirty="0">
-                <a:latin typeface="標楷體" panose="03000509000000000000" pitchFamily="65" charset="-120"/>
-                <a:ea typeface="標楷體" panose="03000509000000000000" pitchFamily="65" charset="-120"/>
-              </a:rPr>
-              <a:t>秒</a:t>
-            </a:r>
-            <a:endParaRPr lang="en-US" altLang="zh-TW" sz="4400" dirty="0">
-              <a:latin typeface="標楷體" panose="03000509000000000000" pitchFamily="65" charset="-120"/>
-              <a:ea typeface="標楷體" panose="03000509000000000000" pitchFamily="65" charset="-120"/>
-            </a:endParaRPr>
-          </a:p>
-          <a:p>
-            <a:pPr algn="ctr"/>
-            <a:r>
-              <a:rPr lang="en-US" altLang="zh-TW" sz="4400" dirty="0">
-                <a:latin typeface="標楷體" panose="03000509000000000000" pitchFamily="65" charset="-120"/>
-                <a:ea typeface="標楷體" panose="03000509000000000000" pitchFamily="65" charset="-120"/>
-              </a:rPr>
-              <a:t>SVG</a:t>
-            </a:r>
-            <a:r>
-              <a:rPr lang="zh-TW" altLang="en-US" sz="4400" dirty="0">
-                <a:latin typeface="標楷體" panose="03000509000000000000" pitchFamily="65" charset="-120"/>
-                <a:ea typeface="標楷體" panose="03000509000000000000" pitchFamily="65" charset="-120"/>
-              </a:rPr>
-              <a:t>檔</a:t>
-            </a:r>
-            <a:endParaRPr lang="en-US" altLang="zh-TW" sz="4400" dirty="0">
-              <a:latin typeface="標楷體" panose="03000509000000000000" pitchFamily="65" charset="-120"/>
-              <a:ea typeface="標楷體" panose="03000509000000000000" pitchFamily="65" charset="-120"/>
-            </a:endParaRPr>
-          </a:p>
-          <a:p>
-            <a:pPr algn="ctr"/>
-            <a:r>
-              <a:rPr lang="en-US" altLang="zh-TW" sz="4400" dirty="0">
-                <a:latin typeface="標楷體" panose="03000509000000000000" pitchFamily="65" charset="-120"/>
-                <a:ea typeface="標楷體" panose="03000509000000000000" pitchFamily="65" charset="-120"/>
-              </a:rPr>
-              <a:t>80.4KB</a:t>
-            </a:r>
-            <a:endParaRPr lang="zh-TW" altLang="en-US" sz="4400" dirty="0">
-              <a:latin typeface="標楷體" panose="03000509000000000000" pitchFamily="65" charset="-120"/>
-              <a:ea typeface="標楷體" panose="03000509000000000000" pitchFamily="65" charset="-120"/>
+            <a:endParaRPr lang="zh-TW" altLang="en-US" sz="4800" b="1" dirty="0">
+              <a:solidFill>
+                <a:srgbClr val="0070C0"/>
+              </a:solidFill>
+              <a:latin typeface="微軟正黑體" panose="020B0604030504040204" pitchFamily="34" charset="-120"/>
+              <a:ea typeface="微軟正黑體" panose="020B0604030504040204" pitchFamily="34" charset="-120"/>
             </a:endParaRPr>
           </a:p>
         </p:txBody>
@@ -4037,7 +3426,7 @@
 </p:sld>
 </file>
 
-<file path=ppt/slides/slide4.xml><?xml version="1.0" encoding="utf-8"?>
+<file path=ppt/slides/slide3.xml><?xml version="1.0" encoding="utf-8"?>
 <p:sld xmlns:a="http://schemas.openxmlformats.org/drawingml/2006/main" xmlns:r="http://schemas.openxmlformats.org/officeDocument/2006/relationships" xmlns:p="http://schemas.openxmlformats.org/presentationml/2006/main">
   <p:cSld>
     <p:spTree>
@@ -4082,92 +3471,14 @@
         </p:blipFill>
         <p:spPr>
           <a:xfrm>
-            <a:off x="6907098" y="0"/>
-            <a:ext cx="5284902" cy="6858000"/>
+            <a:off x="2307814" y="1171286"/>
+            <a:ext cx="3963677" cy="5143500"/>
           </a:xfrm>
           <a:prstGeom prst="rect">
             <a:avLst/>
           </a:prstGeom>
         </p:spPr>
       </p:pic>
-      <p:pic>
-        <p:nvPicPr>
-          <p:cNvPr id="7" name="圖片 6">
-            <a:extLst>
-              <a:ext uri="{FF2B5EF4-FFF2-40B4-BE49-F238E27FC236}">
-                <a16:creationId xmlns:a16="http://schemas.microsoft.com/office/drawing/2014/main" id="{36692EE6-F7C9-4D7A-90CA-ACEE254C9096}"/>
-              </a:ext>
-            </a:extLst>
-          </p:cNvPr>
-          <p:cNvPicPr>
-            <a:picLocks noChangeAspect="1"/>
-          </p:cNvPicPr>
-          <p:nvPr/>
-        </p:nvPicPr>
-        <p:blipFill>
-          <a:blip r:embed="rId3">
-            <a:extLst>
-              <a:ext uri="{28A0092B-C50C-407E-A947-70E740481C1C}">
-                <a14:useLocalDpi xmlns:a14="http://schemas.microsoft.com/office/drawing/2010/main" val="0"/>
-              </a:ext>
-            </a:extLst>
-          </a:blip>
-          <a:stretch>
-            <a:fillRect/>
-          </a:stretch>
-        </p:blipFill>
-        <p:spPr>
-          <a:xfrm>
-            <a:off x="1" y="0"/>
-            <a:ext cx="5284902" cy="6858000"/>
-          </a:xfrm>
-          <a:prstGeom prst="rect">
-            <a:avLst/>
-          </a:prstGeom>
-        </p:spPr>
-      </p:pic>
-      <p:sp>
-        <p:nvSpPr>
-          <p:cNvPr id="8" name="文字方塊 7">
-            <a:extLst>
-              <a:ext uri="{FF2B5EF4-FFF2-40B4-BE49-F238E27FC236}">
-                <a16:creationId xmlns:a16="http://schemas.microsoft.com/office/drawing/2014/main" id="{28D45646-22C6-467D-A87D-BD526A4ACC3E}"/>
-              </a:ext>
-            </a:extLst>
-          </p:cNvPr>
-          <p:cNvSpPr txBox="1"/>
-          <p:nvPr/>
-        </p:nvSpPr>
-        <p:spPr>
-          <a:xfrm>
-            <a:off x="0" y="0"/>
-            <a:ext cx="2820203" cy="769441"/>
-          </a:xfrm>
-          <a:prstGeom prst="rect">
-            <a:avLst/>
-          </a:prstGeom>
-          <a:noFill/>
-        </p:spPr>
-        <p:txBody>
-          <a:bodyPr wrap="square" rtlCol="0">
-            <a:spAutoFit/>
-          </a:bodyPr>
-          <a:lstStyle/>
-          <a:p>
-            <a:r>
-              <a:rPr lang="en-US" altLang="zh-TW" sz="4400" dirty="0">
-                <a:latin typeface="標楷體" panose="03000509000000000000" pitchFamily="65" charset="-120"/>
-                <a:ea typeface="標楷體" panose="03000509000000000000" pitchFamily="65" charset="-120"/>
-              </a:rPr>
-              <a:t>SVCFP+LSM</a:t>
-            </a:r>
-            <a:endParaRPr lang="zh-TW" altLang="en-US" sz="4400" dirty="0">
-              <a:latin typeface="標楷體" panose="03000509000000000000" pitchFamily="65" charset="-120"/>
-              <a:ea typeface="標楷體" panose="03000509000000000000" pitchFamily="65" charset="-120"/>
-            </a:endParaRPr>
-          </a:p>
-        </p:txBody>
-      </p:sp>
       <p:sp>
         <p:nvSpPr>
           <p:cNvPr id="9" name="文字方塊 8">
@@ -4182,8 +3493,8 @@
         </p:nvSpPr>
         <p:spPr>
           <a:xfrm>
-            <a:off x="4634722" y="2373227"/>
-            <a:ext cx="2922555" cy="3477875"/>
+            <a:off x="9507388" y="3126697"/>
+            <a:ext cx="2191916" cy="2123658"/>
           </a:xfrm>
           <a:prstGeom prst="rect">
             <a:avLst/>
@@ -4198,30 +3509,20 @@
           <a:p>
             <a:pPr algn="ctr"/>
             <a:r>
-              <a:rPr lang="en-US" altLang="zh-TW" sz="4400" dirty="0">
-                <a:latin typeface="標楷體" panose="03000509000000000000" pitchFamily="65" charset="-120"/>
-                <a:ea typeface="標楷體" panose="03000509000000000000" pitchFamily="65" charset="-120"/>
-              </a:rPr>
-              <a:t>BMND=78.5</a:t>
-            </a:r>
-          </a:p>
-          <a:p>
-            <a:pPr algn="ctr"/>
-            <a:r>
-              <a:rPr lang="en-US" altLang="zh-TW" sz="4400" dirty="0">
+              <a:rPr lang="en-US" altLang="zh-TW" sz="3300" dirty="0" smtClean="0">
                 <a:latin typeface="標楷體" panose="03000509000000000000" pitchFamily="65" charset="-120"/>
                 <a:ea typeface="標楷體" panose="03000509000000000000" pitchFamily="65" charset="-120"/>
               </a:rPr>
               <a:t>413</a:t>
             </a:r>
             <a:r>
-              <a:rPr lang="zh-TW" altLang="en-US" sz="4400" dirty="0">
+              <a:rPr lang="zh-TW" altLang="en-US" sz="3300" dirty="0">
                 <a:latin typeface="標楷體" panose="03000509000000000000" pitchFamily="65" charset="-120"/>
                 <a:ea typeface="標楷體" panose="03000509000000000000" pitchFamily="65" charset="-120"/>
               </a:rPr>
               <a:t>個點</a:t>
             </a:r>
-            <a:endParaRPr lang="en-US" altLang="zh-TW" sz="4400" dirty="0">
+            <a:endParaRPr lang="en-US" altLang="zh-TW" sz="3300" dirty="0">
               <a:latin typeface="標楷體" panose="03000509000000000000" pitchFamily="65" charset="-120"/>
               <a:ea typeface="標楷體" panose="03000509000000000000" pitchFamily="65" charset="-120"/>
             </a:endParaRPr>
@@ -4229,20 +3530,20 @@
           <a:p>
             <a:pPr algn="ctr"/>
             <a:r>
-              <a:rPr lang="en-US" altLang="zh-TW" sz="4400" dirty="0">
+              <a:rPr lang="en-US" altLang="zh-TW" sz="3300" dirty="0">
                 <a:latin typeface="標楷體" panose="03000509000000000000" pitchFamily="65" charset="-120"/>
                 <a:ea typeface="標楷體" panose="03000509000000000000" pitchFamily="65" charset="-120"/>
               </a:rPr>
               <a:t>11.9</a:t>
             </a:r>
             <a:r>
-              <a:rPr lang="zh-TW" altLang="en-US" sz="4400" dirty="0">
+              <a:rPr lang="zh-TW" altLang="en-US" sz="3300" dirty="0">
                 <a:latin typeface="標楷體" panose="03000509000000000000" pitchFamily="65" charset="-120"/>
                 <a:ea typeface="標楷體" panose="03000509000000000000" pitchFamily="65" charset="-120"/>
               </a:rPr>
               <a:t>秒</a:t>
             </a:r>
-            <a:endParaRPr lang="en-US" altLang="zh-TW" sz="4400" dirty="0">
+            <a:endParaRPr lang="en-US" altLang="zh-TW" sz="3300" dirty="0">
               <a:latin typeface="標楷體" panose="03000509000000000000" pitchFamily="65" charset="-120"/>
               <a:ea typeface="標楷體" panose="03000509000000000000" pitchFamily="65" charset="-120"/>
             </a:endParaRPr>
@@ -4250,20 +3551,20 @@
           <a:p>
             <a:pPr algn="ctr"/>
             <a:r>
-              <a:rPr lang="en-US" altLang="zh-TW" sz="4400" dirty="0">
+              <a:rPr lang="en-US" altLang="zh-TW" sz="3300" dirty="0">
                 <a:latin typeface="標楷體" panose="03000509000000000000" pitchFamily="65" charset="-120"/>
                 <a:ea typeface="標楷體" panose="03000509000000000000" pitchFamily="65" charset="-120"/>
               </a:rPr>
               <a:t>TXT</a:t>
             </a:r>
             <a:r>
-              <a:rPr lang="zh-TW" altLang="en-US" sz="4400" dirty="0">
+              <a:rPr lang="zh-TW" altLang="en-US" sz="3300" dirty="0">
                 <a:latin typeface="標楷體" panose="03000509000000000000" pitchFamily="65" charset="-120"/>
                 <a:ea typeface="標楷體" panose="03000509000000000000" pitchFamily="65" charset="-120"/>
               </a:rPr>
               <a:t>檔</a:t>
             </a:r>
-            <a:endParaRPr lang="en-US" altLang="zh-TW" sz="4400" dirty="0">
+            <a:endParaRPr lang="en-US" altLang="zh-TW" sz="3300" dirty="0">
               <a:latin typeface="標楷體" panose="03000509000000000000" pitchFamily="65" charset="-120"/>
               <a:ea typeface="標楷體" panose="03000509000000000000" pitchFamily="65" charset="-120"/>
             </a:endParaRPr>
@@ -4271,15 +3572,166 @@
           <a:p>
             <a:pPr algn="ctr"/>
             <a:r>
-              <a:rPr lang="en-US" altLang="zh-TW" sz="4400" dirty="0">
+              <a:rPr lang="en-US" altLang="zh-TW" sz="3300" dirty="0">
                 <a:latin typeface="標楷體" panose="03000509000000000000" pitchFamily="65" charset="-120"/>
                 <a:ea typeface="標楷體" panose="03000509000000000000" pitchFamily="65" charset="-120"/>
               </a:rPr>
               <a:t>25.6KB</a:t>
             </a:r>
-            <a:endParaRPr lang="zh-TW" altLang="en-US" sz="4400" dirty="0">
+            <a:endParaRPr lang="zh-TW" altLang="en-US" sz="3300" dirty="0">
               <a:latin typeface="標楷體" panose="03000509000000000000" pitchFamily="65" charset="-120"/>
               <a:ea typeface="標楷體" panose="03000509000000000000" pitchFamily="65" charset="-120"/>
+            </a:endParaRPr>
+          </a:p>
+        </p:txBody>
+      </p:sp>
+      <p:sp>
+        <p:nvSpPr>
+          <p:cNvPr id="6" name="文字方塊 5">
+            <a:extLst>
+              <a:ext uri="{FF2B5EF4-FFF2-40B4-BE49-F238E27FC236}">
+                <a16:creationId xmlns:a16="http://schemas.microsoft.com/office/drawing/2014/main" id="{41AC9A7A-E271-4B08-BF17-E206957CE5F9}"/>
+              </a:ext>
+            </a:extLst>
+          </p:cNvPr>
+          <p:cNvSpPr txBox="1"/>
+          <p:nvPr/>
+        </p:nvSpPr>
+        <p:spPr>
+          <a:xfrm>
+            <a:off x="323273" y="257086"/>
+            <a:ext cx="4341091" cy="830997"/>
+          </a:xfrm>
+          <a:prstGeom prst="rect">
+            <a:avLst/>
+          </a:prstGeom>
+          <a:noFill/>
+        </p:spPr>
+        <p:txBody>
+          <a:bodyPr wrap="square" rtlCol="0">
+            <a:spAutoFit/>
+          </a:bodyPr>
+          <a:lstStyle/>
+          <a:p>
+            <a:r>
+              <a:rPr lang="en-US" altLang="zh-TW" sz="4800" b="1" dirty="0" smtClean="0">
+                <a:solidFill>
+                  <a:srgbClr val="7030A0"/>
+                </a:solidFill>
+                <a:latin typeface="微軟正黑體" panose="020B0604030504040204" pitchFamily="34" charset="-120"/>
+                <a:ea typeface="微軟正黑體" panose="020B0604030504040204" pitchFamily="34" charset="-120"/>
+              </a:rPr>
+              <a:t>SVCFP</a:t>
+            </a:r>
+            <a:r>
+              <a:rPr lang="en-US" altLang="zh-TW" sz="4800" b="1" dirty="0" smtClean="0">
+                <a:latin typeface="微軟正黑體" panose="020B0604030504040204" pitchFamily="34" charset="-120"/>
+                <a:ea typeface="微軟正黑體" panose="020B0604030504040204" pitchFamily="34" charset="-120"/>
+              </a:rPr>
+              <a:t>+</a:t>
+            </a:r>
+            <a:r>
+              <a:rPr lang="en-US" altLang="zh-TW" sz="4800" b="1" dirty="0" smtClean="0">
+                <a:solidFill>
+                  <a:srgbClr val="FF0000"/>
+                </a:solidFill>
+                <a:latin typeface="微軟正黑體" panose="020B0604030504040204" pitchFamily="34" charset="-120"/>
+                <a:ea typeface="微軟正黑體" panose="020B0604030504040204" pitchFamily="34" charset="-120"/>
+              </a:rPr>
+              <a:t>LSM</a:t>
+            </a:r>
+            <a:endParaRPr lang="zh-TW" altLang="en-US" sz="4800" b="1" dirty="0">
+              <a:latin typeface="微軟正黑體" panose="020B0604030504040204" pitchFamily="34" charset="-120"/>
+              <a:ea typeface="微軟正黑體" panose="020B0604030504040204" pitchFamily="34" charset="-120"/>
+            </a:endParaRPr>
+          </a:p>
+        </p:txBody>
+      </p:sp>
+      <p:sp>
+        <p:nvSpPr>
+          <p:cNvPr id="10" name="文字方塊 9">
+            <a:extLst>
+              <a:ext uri="{FF2B5EF4-FFF2-40B4-BE49-F238E27FC236}">
+                <a16:creationId xmlns:a16="http://schemas.microsoft.com/office/drawing/2014/main" id="{43C11AF0-EB91-4AA0-BFCA-BA77C613DDA5}"/>
+              </a:ext>
+            </a:extLst>
+          </p:cNvPr>
+          <p:cNvSpPr txBox="1"/>
+          <p:nvPr/>
+        </p:nvSpPr>
+        <p:spPr>
+          <a:xfrm>
+            <a:off x="6391564" y="4643541"/>
+            <a:ext cx="2639183" cy="1938992"/>
+          </a:xfrm>
+          <a:prstGeom prst="rect">
+            <a:avLst/>
+          </a:prstGeom>
+          <a:noFill/>
+        </p:spPr>
+        <p:txBody>
+          <a:bodyPr wrap="square" rtlCol="0">
+            <a:spAutoFit/>
+          </a:bodyPr>
+          <a:lstStyle/>
+          <a:p>
+            <a:r>
+              <a:rPr lang="en-US" altLang="zh-TW" sz="4000" b="1" dirty="0" smtClean="0">
+                <a:latin typeface="微軟正黑體" panose="020B0604030504040204" pitchFamily="34" charset="-120"/>
+                <a:ea typeface="微軟正黑體" panose="020B0604030504040204" pitchFamily="34" charset="-120"/>
+              </a:rPr>
+              <a:t>413</a:t>
+            </a:r>
+            <a:r>
+              <a:rPr lang="zh-TW" altLang="en-US" sz="4000" b="1" dirty="0" smtClean="0">
+                <a:latin typeface="微軟正黑體" panose="020B0604030504040204" pitchFamily="34" charset="-120"/>
+                <a:ea typeface="微軟正黑體" panose="020B0604030504040204" pitchFamily="34" charset="-120"/>
+              </a:rPr>
+              <a:t>個</a:t>
+            </a:r>
+            <a:r>
+              <a:rPr lang="zh-TW" altLang="en-US" sz="4000" b="1" dirty="0">
+                <a:latin typeface="微軟正黑體" panose="020B0604030504040204" pitchFamily="34" charset="-120"/>
+                <a:ea typeface="微軟正黑體" panose="020B0604030504040204" pitchFamily="34" charset="-120"/>
+              </a:rPr>
+              <a:t>點</a:t>
+            </a:r>
+            <a:endParaRPr lang="en-US" altLang="zh-TW" sz="4000" b="1" dirty="0">
+              <a:latin typeface="微軟正黑體" panose="020B0604030504040204" pitchFamily="34" charset="-120"/>
+              <a:ea typeface="微軟正黑體" panose="020B0604030504040204" pitchFamily="34" charset="-120"/>
+            </a:endParaRPr>
+          </a:p>
+          <a:p>
+            <a:r>
+              <a:rPr lang="en-US" altLang="zh-TW" sz="4000" b="1" dirty="0" smtClean="0">
+                <a:latin typeface="微軟正黑體" panose="020B0604030504040204" pitchFamily="34" charset="-120"/>
+                <a:ea typeface="微軟正黑體" panose="020B0604030504040204" pitchFamily="34" charset="-120"/>
+              </a:rPr>
+              <a:t>SVG</a:t>
+            </a:r>
+            <a:r>
+              <a:rPr lang="zh-TW" altLang="en-US" sz="4000" b="1" dirty="0" smtClean="0">
+                <a:latin typeface="微軟正黑體" panose="020B0604030504040204" pitchFamily="34" charset="-120"/>
+                <a:ea typeface="微軟正黑體" panose="020B0604030504040204" pitchFamily="34" charset="-120"/>
+              </a:rPr>
+              <a:t>檔</a:t>
+            </a:r>
+            <a:endParaRPr lang="en-US" altLang="zh-TW" sz="4000" b="1" dirty="0">
+              <a:latin typeface="微軟正黑體" panose="020B0604030504040204" pitchFamily="34" charset="-120"/>
+              <a:ea typeface="微軟正黑體" panose="020B0604030504040204" pitchFamily="34" charset="-120"/>
+            </a:endParaRPr>
+          </a:p>
+          <a:p>
+            <a:r>
+              <a:rPr lang="en-US" altLang="zh-TW" sz="4000" b="1" dirty="0" smtClean="0">
+                <a:latin typeface="微軟正黑體" panose="020B0604030504040204" pitchFamily="34" charset="-120"/>
+                <a:ea typeface="微軟正黑體" panose="020B0604030504040204" pitchFamily="34" charset="-120"/>
+              </a:rPr>
+              <a:t>25.6KB</a:t>
+            </a:r>
+            <a:endParaRPr lang="zh-TW" altLang="en-US" sz="4000" b="1" dirty="0">
+              <a:latin typeface="微軟正黑體" panose="020B0604030504040204" pitchFamily="34" charset="-120"/>
+              <a:ea typeface="微軟正黑體" panose="020B0604030504040204" pitchFamily="34" charset="-120"/>
             </a:endParaRPr>
           </a:p>
         </p:txBody>
@@ -4300,7 +3752,7 @@
 <file path=ppt/theme/theme1.xml><?xml version="1.0" encoding="utf-8"?>
 <a:theme xmlns:a="http://schemas.openxmlformats.org/drawingml/2006/main" name="Office 佈景主題">
   <a:themeElements>
-    <a:clrScheme name="Office">
+    <a:clrScheme name="Office 佈景主題">
       <a:dk1>
         <a:sysClr val="windowText" lastClr="000000"/>
       </a:dk1>
@@ -4314,7 +3766,7 @@
         <a:srgbClr val="E7E6E6"/>
       </a:lt2>
       <a:accent1>
-        <a:srgbClr val="4472C4"/>
+        <a:srgbClr val="5B9BD5"/>
       </a:accent1>
       <a:accent2>
         <a:srgbClr val="ED7D31"/>
@@ -4326,7 +3778,7 @@
         <a:srgbClr val="FFC000"/>
       </a:accent4>
       <a:accent5>
-        <a:srgbClr val="5B9BD5"/>
+        <a:srgbClr val="4472C4"/>
       </a:accent5>
       <a:accent6>
         <a:srgbClr val="70AD47"/>
@@ -4338,7 +3790,7 @@
         <a:srgbClr val="954F72"/>
       </a:folHlink>
     </a:clrScheme>
-    <a:fontScheme name="Office">
+    <a:fontScheme name="Office 佈景主題">
       <a:majorFont>
         <a:latin typeface="Calibri Light" panose="020F0302020204030204"/>
         <a:ea typeface=""/>
@@ -4373,23 +3825,6 @@
         <a:font script="Viet" typeface="Times New Roman"/>
         <a:font script="Uigh" typeface="Microsoft Uighur"/>
         <a:font script="Geor" typeface="Sylfaen"/>
-        <a:font script="Armn" typeface="Arial"/>
-        <a:font script="Bugi" typeface="Leelawadee UI"/>
-        <a:font script="Bopo" typeface="Microsoft JhengHei"/>
-        <a:font script="Java" typeface="Javanese Text"/>
-        <a:font script="Lisu" typeface="Segoe UI"/>
-        <a:font script="Mymr" typeface="Myanmar Text"/>
-        <a:font script="Nkoo" typeface="Ebrima"/>
-        <a:font script="Olck" typeface="Nirmala UI"/>
-        <a:font script="Osma" typeface="Ebrima"/>
-        <a:font script="Phag" typeface="Phagspa"/>
-        <a:font script="Syrn" typeface="Estrangelo Edessa"/>
-        <a:font script="Syrj" typeface="Estrangelo Edessa"/>
-        <a:font script="Syre" typeface="Estrangelo Edessa"/>
-        <a:font script="Sora" typeface="Nirmala UI"/>
-        <a:font script="Tale" typeface="Microsoft Tai Le"/>
-        <a:font script="Talu" typeface="Microsoft New Tai Lue"/>
-        <a:font script="Tfng" typeface="Ebrima"/>
       </a:majorFont>
       <a:minorFont>
         <a:latin typeface="Calibri" panose="020F0502020204030204"/>
@@ -4425,26 +3860,9 @@
         <a:font script="Viet" typeface="Arial"/>
         <a:font script="Uigh" typeface="Microsoft Uighur"/>
         <a:font script="Geor" typeface="Sylfaen"/>
-        <a:font script="Armn" typeface="Arial"/>
-        <a:font script="Bugi" typeface="Leelawadee UI"/>
-        <a:font script="Bopo" typeface="Microsoft JhengHei"/>
-        <a:font script="Java" typeface="Javanese Text"/>
-        <a:font script="Lisu" typeface="Segoe UI"/>
-        <a:font script="Mymr" typeface="Myanmar Text"/>
-        <a:font script="Nkoo" typeface="Ebrima"/>
-        <a:font script="Olck" typeface="Nirmala UI"/>
-        <a:font script="Osma" typeface="Ebrima"/>
-        <a:font script="Phag" typeface="Phagspa"/>
-        <a:font script="Syrn" typeface="Estrangelo Edessa"/>
-        <a:font script="Syrj" typeface="Estrangelo Edessa"/>
-        <a:font script="Syre" typeface="Estrangelo Edessa"/>
-        <a:font script="Sora" typeface="Nirmala UI"/>
-        <a:font script="Tale" typeface="Microsoft Tai Le"/>
-        <a:font script="Talu" typeface="Microsoft New Tai Lue"/>
-        <a:font script="Tfng" typeface="Ebrima"/>
       </a:minorFont>
     </a:fontScheme>
-    <a:fmtScheme name="Office">
+    <a:fmtScheme name="Office 佈景主題">
       <a:fillStyleLst>
         <a:solidFill>
           <a:schemeClr val="phClr"/>
